--- a/Presentation.pptx
+++ b/Presentation.pptx
@@ -17,13 +17,14 @@
     <p:sldId id="259" r:id="rId11"/>
     <p:sldId id="261" r:id="rId12"/>
     <p:sldId id="263" r:id="rId13"/>
-    <p:sldId id="264" r:id="rId14"/>
-    <p:sldId id="265" r:id="rId15"/>
+    <p:sldId id="265" r:id="rId14"/>
+    <p:sldId id="264" r:id="rId15"/>
     <p:sldId id="266" r:id="rId16"/>
-    <p:sldId id="268" r:id="rId17"/>
-    <p:sldId id="273" r:id="rId18"/>
-    <p:sldId id="274" r:id="rId19"/>
-    <p:sldId id="275" r:id="rId20"/>
+    <p:sldId id="277" r:id="rId17"/>
+    <p:sldId id="268" r:id="rId18"/>
+    <p:sldId id="273" r:id="rId19"/>
+    <p:sldId id="274" r:id="rId20"/>
+    <p:sldId id="275" r:id="rId21"/>
   </p:sldIdLst>
   <p:sldSz cx="9144000" cy="6858000" type="screen4x3"/>
   <p:notesSz cx="6858000" cy="9144000"/>
@@ -306,7 +307,7 @@
           <a:p>
             <a:fld id="{450F0004-038A-104E-B7D3-132F69DA274F}" type="datetimeFigureOut">
               <a:rPr lang="en-US" smtClean="0"/>
-              <a:t>9/14/13</a:t>
+              <a:t>9/15/13</a:t>
             </a:fld>
             <a:endParaRPr lang="en-US"/>
           </a:p>
@@ -476,7 +477,7 @@
           <a:p>
             <a:fld id="{450F0004-038A-104E-B7D3-132F69DA274F}" type="datetimeFigureOut">
               <a:rPr lang="en-US" smtClean="0"/>
-              <a:t>9/14/13</a:t>
+              <a:t>9/15/13</a:t>
             </a:fld>
             <a:endParaRPr lang="en-US"/>
           </a:p>
@@ -656,7 +657,7 @@
           <a:p>
             <a:fld id="{450F0004-038A-104E-B7D3-132F69DA274F}" type="datetimeFigureOut">
               <a:rPr lang="en-US" smtClean="0"/>
-              <a:t>9/14/13</a:t>
+              <a:t>9/15/13</a:t>
             </a:fld>
             <a:endParaRPr lang="en-US"/>
           </a:p>
@@ -826,7 +827,7 @@
           <a:p>
             <a:fld id="{450F0004-038A-104E-B7D3-132F69DA274F}" type="datetimeFigureOut">
               <a:rPr lang="en-US" smtClean="0"/>
-              <a:t>9/14/13</a:t>
+              <a:t>9/15/13</a:t>
             </a:fld>
             <a:endParaRPr lang="en-US"/>
           </a:p>
@@ -1072,7 +1073,7 @@
           <a:p>
             <a:fld id="{450F0004-038A-104E-B7D3-132F69DA274F}" type="datetimeFigureOut">
               <a:rPr lang="en-US" smtClean="0"/>
-              <a:t>9/14/13</a:t>
+              <a:t>9/15/13</a:t>
             </a:fld>
             <a:endParaRPr lang="en-US"/>
           </a:p>
@@ -1360,7 +1361,7 @@
           <a:p>
             <a:fld id="{450F0004-038A-104E-B7D3-132F69DA274F}" type="datetimeFigureOut">
               <a:rPr lang="en-US" smtClean="0"/>
-              <a:t>9/14/13</a:t>
+              <a:t>9/15/13</a:t>
             </a:fld>
             <a:endParaRPr lang="en-US"/>
           </a:p>
@@ -1782,7 +1783,7 @@
           <a:p>
             <a:fld id="{450F0004-038A-104E-B7D3-132F69DA274F}" type="datetimeFigureOut">
               <a:rPr lang="en-US" smtClean="0"/>
-              <a:t>9/14/13</a:t>
+              <a:t>9/15/13</a:t>
             </a:fld>
             <a:endParaRPr lang="en-US"/>
           </a:p>
@@ -1900,7 +1901,7 @@
           <a:p>
             <a:fld id="{450F0004-038A-104E-B7D3-132F69DA274F}" type="datetimeFigureOut">
               <a:rPr lang="en-US" smtClean="0"/>
-              <a:t>9/14/13</a:t>
+              <a:t>9/15/13</a:t>
             </a:fld>
             <a:endParaRPr lang="en-US"/>
           </a:p>
@@ -1995,7 +1996,7 @@
           <a:p>
             <a:fld id="{450F0004-038A-104E-B7D3-132F69DA274F}" type="datetimeFigureOut">
               <a:rPr lang="en-US" smtClean="0"/>
-              <a:t>9/14/13</a:t>
+              <a:t>9/15/13</a:t>
             </a:fld>
             <a:endParaRPr lang="en-US"/>
           </a:p>
@@ -2272,7 +2273,7 @@
           <a:p>
             <a:fld id="{450F0004-038A-104E-B7D3-132F69DA274F}" type="datetimeFigureOut">
               <a:rPr lang="en-US" smtClean="0"/>
-              <a:t>9/14/13</a:t>
+              <a:t>9/15/13</a:t>
             </a:fld>
             <a:endParaRPr lang="en-US"/>
           </a:p>
@@ -2525,7 +2526,7 @@
           <a:p>
             <a:fld id="{450F0004-038A-104E-B7D3-132F69DA274F}" type="datetimeFigureOut">
               <a:rPr lang="en-US" smtClean="0"/>
-              <a:t>9/14/13</a:t>
+              <a:t>9/15/13</a:t>
             </a:fld>
             <a:endParaRPr lang="en-US"/>
           </a:p>
@@ -2738,7 +2739,7 @@
           <a:p>
             <a:fld id="{450F0004-038A-104E-B7D3-132F69DA274F}" type="datetimeFigureOut">
               <a:rPr lang="en-US" smtClean="0"/>
-              <a:t>9/14/13</a:t>
+              <a:t>9/15/13</a:t>
             </a:fld>
             <a:endParaRPr lang="en-US"/>
           </a:p>
@@ -3241,6 +3242,13 @@
   <p:clrMapOvr>
     <a:masterClrMapping/>
   </p:clrMapOvr>
+  <p:timing>
+    <p:tnLst>
+      <p:par>
+        <p:cTn xmlns:p14="http://schemas.microsoft.com/office/powerpoint/2010/main" id="1" dur="indefinite" restart="never" nodeType="tmRoot"/>
+      </p:par>
+    </p:tnLst>
+  </p:timing>
 </p:sld>
 </file>
 
@@ -3320,14 +3328,58 @@
             </a:r>
           </a:p>
           <a:p>
-            <a:r>
-              <a:rPr lang="en-US" dirty="0" smtClean="0"/>
-              <a:t>LED Blink</a:t>
-            </a:r>
+            <a:endParaRPr lang="en-US" dirty="0" smtClean="0"/>
+          </a:p>
+          <a:p>
+            <a:r>
+              <a:rPr lang="en-US" dirty="0" smtClean="0">
+                <a:hlinkClick r:id="rId2"/>
+              </a:rPr>
+              <a:t>LED </a:t>
+            </a:r>
+            <a:r>
+              <a:rPr lang="en-US" dirty="0" smtClean="0">
+                <a:hlinkClick r:id="rId2"/>
+              </a:rPr>
+              <a:t>Blink</a:t>
+            </a:r>
+            <a:endParaRPr lang="en-US" dirty="0" smtClean="0"/>
+          </a:p>
+          <a:p>
             <a:endParaRPr lang="en-US" dirty="0"/>
           </a:p>
         </p:txBody>
       </p:sp>
+      <p:pic>
+        <p:nvPicPr>
+          <p:cNvPr id="4" name="Picture 3" descr="arduino-icon-small.png"/>
+          <p:cNvPicPr>
+            <a:picLocks noChangeAspect="1"/>
+          </p:cNvPicPr>
+          <p:nvPr/>
+        </p:nvPicPr>
+        <p:blipFill>
+          <a:blip r:embed="rId3">
+            <a:extLst>
+              <a:ext uri="{28A0092B-C50C-407E-A947-70E740481C1C}">
+                <a14:useLocalDpi xmlns:a14="http://schemas.microsoft.com/office/drawing/2010/main" val="0"/>
+              </a:ext>
+            </a:extLst>
+          </a:blip>
+          <a:stretch>
+            <a:fillRect/>
+          </a:stretch>
+        </p:blipFill>
+        <p:spPr>
+          <a:xfrm>
+            <a:off x="5297425" y="2874963"/>
+            <a:ext cx="3251200" cy="3251200"/>
+          </a:xfrm>
+          <a:prstGeom prst="rect">
+            <a:avLst/>
+          </a:prstGeom>
+        </p:spPr>
+      </p:pic>
     </p:spTree>
     <p:extLst>
       <p:ext uri="{BB962C8B-B14F-4D97-AF65-F5344CB8AC3E}">
@@ -3338,6 +3390,13 @@
   <p:clrMapOvr>
     <a:masterClrMapping/>
   </p:clrMapOvr>
+  <p:timing>
+    <p:tnLst>
+      <p:par>
+        <p:cTn xmlns:p14="http://schemas.microsoft.com/office/powerpoint/2010/main" id="1" dur="indefinite" restart="never" nodeType="tmRoot"/>
+      </p:par>
+    </p:tnLst>
+  </p:timing>
 </p:sld>
 </file>
 
@@ -3421,6 +3480,13 @@
   <p:clrMapOvr>
     <a:masterClrMapping/>
   </p:clrMapOvr>
+  <p:timing>
+    <p:tnLst>
+      <p:par>
+        <p:cTn xmlns:p14="http://schemas.microsoft.com/office/powerpoint/2010/main" id="1" dur="indefinite" restart="never" nodeType="tmRoot"/>
+      </p:par>
+    </p:tnLst>
+  </p:timing>
 </p:sld>
 </file>
 
@@ -3458,7 +3524,11 @@
           <a:p>
             <a:r>
               <a:rPr lang="en-US" dirty="0" smtClean="0"/>
-              <a:t>Hands On II</a:t>
+              <a:t>Hands on </a:t>
+            </a:r>
+            <a:r>
+              <a:rPr lang="en-US" dirty="0" smtClean="0"/>
+              <a:t>II</a:t>
             </a:r>
             <a:endParaRPr lang="en-US" dirty="0"/>
           </a:p>
@@ -3479,27 +3549,53 @@
           <a:bodyPr/>
           <a:lstStyle/>
           <a:p>
-            <a:r>
-              <a:rPr lang="en-US" dirty="0" smtClean="0"/>
-              <a:t>LCD </a:t>
-            </a:r>
-            <a:r>
-              <a:rPr lang="en-US" dirty="0" smtClean="0"/>
-              <a:t>Interfacing</a:t>
-            </a:r>
-          </a:p>
-          <a:p>
-            <a:endParaRPr lang="en-US" dirty="0"/>
-          </a:p>
-          <a:p>
-            <a:endParaRPr lang="en-US" dirty="0"/>
-          </a:p>
-        </p:txBody>
-      </p:sp>
+            <a:endParaRPr lang="en-US" dirty="0" smtClean="0"/>
+          </a:p>
+          <a:p>
+            <a:r>
+              <a:rPr lang="en-US" dirty="0" smtClean="0">
+                <a:hlinkClick r:id="rId2"/>
+              </a:rPr>
+              <a:t>LDR Based Light Switch</a:t>
+            </a:r>
+            <a:endParaRPr lang="en-US" dirty="0" smtClean="0"/>
+          </a:p>
+        </p:txBody>
+      </p:sp>
+      <p:pic>
+        <p:nvPicPr>
+          <p:cNvPr id="4" name="Picture 3" descr="arduino-icon-small.png"/>
+          <p:cNvPicPr>
+            <a:picLocks noChangeAspect="1"/>
+          </p:cNvPicPr>
+          <p:nvPr/>
+        </p:nvPicPr>
+        <p:blipFill>
+          <a:blip r:embed="rId3">
+            <a:extLst>
+              <a:ext uri="{28A0092B-C50C-407E-A947-70E740481C1C}">
+                <a14:useLocalDpi xmlns:a14="http://schemas.microsoft.com/office/drawing/2010/main" val="0"/>
+              </a:ext>
+            </a:extLst>
+          </a:blip>
+          <a:stretch>
+            <a:fillRect/>
+          </a:stretch>
+        </p:blipFill>
+        <p:spPr>
+          <a:xfrm>
+            <a:off x="5310936" y="3100358"/>
+            <a:ext cx="3251200" cy="3251200"/>
+          </a:xfrm>
+          <a:prstGeom prst="rect">
+            <a:avLst/>
+          </a:prstGeom>
+        </p:spPr>
+      </p:pic>
     </p:spTree>
     <p:extLst>
       <p:ext uri="{BB962C8B-B14F-4D97-AF65-F5344CB8AC3E}">
-        <p14:creationId xmlns:p14="http://schemas.microsoft.com/office/powerpoint/2010/main" val="1867263718"/>
+        <p14:creationId xmlns:p14="http://schemas.microsoft.com/office/powerpoint/2010/main" val="613127236"/>
       </p:ext>
     </p:extLst>
   </p:cSld>
@@ -3543,7 +3639,11 @@
           <a:p>
             <a:r>
               <a:rPr lang="en-US" dirty="0" smtClean="0"/>
-              <a:t>Hands on III</a:t>
+              <a:t>Hands On </a:t>
+            </a:r>
+            <a:r>
+              <a:rPr lang="en-US" dirty="0" smtClean="0"/>
+              <a:t>III</a:t>
             </a:r>
             <a:endParaRPr lang="en-US" dirty="0"/>
           </a:p>
@@ -3564,24 +3664,81 @@
           <a:bodyPr/>
           <a:lstStyle/>
           <a:p>
-            <a:r>
-              <a:rPr lang="en-US" dirty="0" smtClean="0"/>
-              <a:t>IR Light Switch</a:t>
-            </a:r>
+            <a:endParaRPr lang="en-US" dirty="0" smtClean="0"/>
+          </a:p>
+          <a:p>
+            <a:r>
+              <a:rPr lang="en-US" dirty="0" smtClean="0">
+                <a:hlinkClick r:id="rId2"/>
+              </a:rPr>
+              <a:t>LCD </a:t>
+            </a:r>
+            <a:r>
+              <a:rPr lang="en-US" dirty="0" smtClean="0">
+                <a:hlinkClick r:id="rId2"/>
+              </a:rPr>
+              <a:t>Interfacing</a:t>
+            </a:r>
+            <a:endParaRPr lang="en-US" dirty="0" smtClean="0"/>
+          </a:p>
+          <a:p>
+            <a:pPr marL="0" indent="0">
+              <a:buNone/>
+            </a:pPr>
             <a:endParaRPr lang="en-US" dirty="0"/>
           </a:p>
-        </p:txBody>
-      </p:sp>
+          <a:p>
+            <a:endParaRPr lang="en-US" dirty="0"/>
+          </a:p>
+        </p:txBody>
+      </p:sp>
+      <p:pic>
+        <p:nvPicPr>
+          <p:cNvPr id="4" name="Picture 3" descr="arduino-icon-small.png"/>
+          <p:cNvPicPr>
+            <a:picLocks noChangeAspect="1"/>
+          </p:cNvPicPr>
+          <p:nvPr/>
+        </p:nvPicPr>
+        <p:blipFill>
+          <a:blip r:embed="rId3">
+            <a:extLst>
+              <a:ext uri="{28A0092B-C50C-407E-A947-70E740481C1C}">
+                <a14:useLocalDpi xmlns:a14="http://schemas.microsoft.com/office/drawing/2010/main" val="0"/>
+              </a:ext>
+            </a:extLst>
+          </a:blip>
+          <a:stretch>
+            <a:fillRect/>
+          </a:stretch>
+        </p:blipFill>
+        <p:spPr>
+          <a:xfrm>
+            <a:off x="5256890" y="3104633"/>
+            <a:ext cx="3251200" cy="3251200"/>
+          </a:xfrm>
+          <a:prstGeom prst="rect">
+            <a:avLst/>
+          </a:prstGeom>
+        </p:spPr>
+      </p:pic>
     </p:spTree>
     <p:extLst>
       <p:ext uri="{BB962C8B-B14F-4D97-AF65-F5344CB8AC3E}">
-        <p14:creationId xmlns:p14="http://schemas.microsoft.com/office/powerpoint/2010/main" val="613127236"/>
+        <p14:creationId xmlns:p14="http://schemas.microsoft.com/office/powerpoint/2010/main" val="1867263718"/>
       </p:ext>
     </p:extLst>
   </p:cSld>
   <p:clrMapOvr>
     <a:masterClrMapping/>
   </p:clrMapOvr>
+  <p:timing>
+    <p:tnLst>
+      <p:par>
+        <p:cTn xmlns:p14="http://schemas.microsoft.com/office/powerpoint/2010/main" id="1" dur="indefinite" restart="never" nodeType="tmRoot"/>
+      </p:par>
+    </p:tnLst>
+  </p:timing>
 </p:sld>
 </file>
 
@@ -3648,14 +3805,61 @@
           <a:bodyPr/>
           <a:lstStyle/>
           <a:p>
-            <a:r>
-              <a:rPr lang="en-US" dirty="0" smtClean="0"/>
-              <a:t>TIC – TAC – TOE!</a:t>
-            </a:r>
+            <a:endParaRPr lang="en-US" dirty="0" smtClean="0"/>
+          </a:p>
+          <a:p>
+            <a:r>
+              <a:rPr lang="en-US" dirty="0" smtClean="0">
+                <a:hlinkClick r:id="rId2"/>
+              </a:rPr>
+              <a:t>TIC </a:t>
+            </a:r>
+            <a:r>
+              <a:rPr lang="en-US" dirty="0" smtClean="0">
+                <a:hlinkClick r:id="rId2"/>
+              </a:rPr>
+              <a:t>– TAC – TOE!</a:t>
+            </a:r>
+            <a:endParaRPr lang="en-US" dirty="0" smtClean="0"/>
+          </a:p>
+          <a:p>
+            <a:endParaRPr lang="en-US" dirty="0" smtClean="0"/>
+          </a:p>
+          <a:p>
             <a:endParaRPr lang="en-US" dirty="0"/>
           </a:p>
         </p:txBody>
       </p:sp>
+      <p:pic>
+        <p:nvPicPr>
+          <p:cNvPr id="4" name="Picture 3" descr="arduino-icon-small.png"/>
+          <p:cNvPicPr>
+            <a:picLocks noChangeAspect="1"/>
+          </p:cNvPicPr>
+          <p:nvPr/>
+        </p:nvPicPr>
+        <p:blipFill>
+          <a:blip r:embed="rId3">
+            <a:extLst>
+              <a:ext uri="{28A0092B-C50C-407E-A947-70E740481C1C}">
+                <a14:useLocalDpi xmlns:a14="http://schemas.microsoft.com/office/drawing/2010/main" val="0"/>
+              </a:ext>
+            </a:extLst>
+          </a:blip>
+          <a:stretch>
+            <a:fillRect/>
+          </a:stretch>
+        </p:blipFill>
+        <p:spPr>
+          <a:xfrm>
+            <a:off x="5435600" y="2874963"/>
+            <a:ext cx="3251200" cy="3251200"/>
+          </a:xfrm>
+          <a:prstGeom prst="rect">
+            <a:avLst/>
+          </a:prstGeom>
+        </p:spPr>
+      </p:pic>
     </p:spTree>
     <p:extLst>
       <p:ext uri="{BB962C8B-B14F-4D97-AF65-F5344CB8AC3E}">
@@ -3670,6 +3874,120 @@
 </file>
 
 <file path=ppt/slides/slide16.xml><?xml version="1.0" encoding="utf-8"?>
+<p:sld xmlns:a="http://schemas.openxmlformats.org/drawingml/2006/main" xmlns:r="http://schemas.openxmlformats.org/officeDocument/2006/relationships" xmlns:p="http://schemas.openxmlformats.org/presentationml/2006/main">
+  <p:cSld>
+    <p:spTree>
+      <p:nvGrpSpPr>
+        <p:cNvPr id="1" name=""/>
+        <p:cNvGrpSpPr/>
+        <p:nvPr/>
+      </p:nvGrpSpPr>
+      <p:grpSpPr>
+        <a:xfrm>
+          <a:off x="0" y="0"/>
+          <a:ext cx="0" cy="0"/>
+          <a:chOff x="0" y="0"/>
+          <a:chExt cx="0" cy="0"/>
+        </a:xfrm>
+      </p:grpSpPr>
+      <p:sp>
+        <p:nvSpPr>
+          <p:cNvPr id="2" name="Title 1"/>
+          <p:cNvSpPr>
+            <a:spLocks noGrp="1"/>
+          </p:cNvSpPr>
+          <p:nvPr>
+            <p:ph type="title"/>
+          </p:nvPr>
+        </p:nvSpPr>
+        <p:spPr/>
+        <p:txBody>
+          <a:bodyPr/>
+          <a:lstStyle/>
+          <a:p>
+            <a:r>
+              <a:rPr lang="en-US" dirty="0" smtClean="0"/>
+              <a:t>Hands on V</a:t>
+            </a:r>
+            <a:endParaRPr lang="en-US" dirty="0"/>
+          </a:p>
+        </p:txBody>
+      </p:sp>
+      <p:sp>
+        <p:nvSpPr>
+          <p:cNvPr id="3" name="Content Placeholder 2"/>
+          <p:cNvSpPr>
+            <a:spLocks noGrp="1"/>
+          </p:cNvSpPr>
+          <p:nvPr>
+            <p:ph idx="1"/>
+          </p:nvPr>
+        </p:nvSpPr>
+        <p:spPr/>
+        <p:txBody>
+          <a:bodyPr/>
+          <a:lstStyle/>
+          <a:p>
+            <a:endParaRPr lang="en-US" dirty="0" smtClean="0"/>
+          </a:p>
+          <a:p>
+            <a:r>
+              <a:rPr lang="en-US" dirty="0" smtClean="0">
+                <a:hlinkClick r:id="rId2"/>
+              </a:rPr>
+              <a:t>IR AC Bulb</a:t>
+            </a:r>
+            <a:endParaRPr lang="en-US" dirty="0" smtClean="0"/>
+          </a:p>
+          <a:p>
+            <a:endParaRPr lang="en-US" dirty="0"/>
+          </a:p>
+        </p:txBody>
+      </p:sp>
+      <p:pic>
+        <p:nvPicPr>
+          <p:cNvPr id="4" name="Picture 3" descr="arduino-icon-small.png"/>
+          <p:cNvPicPr>
+            <a:picLocks noChangeAspect="1"/>
+          </p:cNvPicPr>
+          <p:nvPr/>
+        </p:nvPicPr>
+        <p:blipFill>
+          <a:blip r:embed="rId3">
+            <a:extLst>
+              <a:ext uri="{28A0092B-C50C-407E-A947-70E740481C1C}">
+                <a14:useLocalDpi xmlns:a14="http://schemas.microsoft.com/office/drawing/2010/main" val="0"/>
+              </a:ext>
+            </a:extLst>
+          </a:blip>
+          <a:stretch>
+            <a:fillRect/>
+          </a:stretch>
+        </p:blipFill>
+        <p:spPr>
+          <a:xfrm>
+            <a:off x="5435600" y="3303007"/>
+            <a:ext cx="3251200" cy="3251200"/>
+          </a:xfrm>
+          <a:prstGeom prst="rect">
+            <a:avLst/>
+          </a:prstGeom>
+        </p:spPr>
+      </p:pic>
+    </p:spTree>
+    <p:extLst>
+      <p:ext uri="{BB962C8B-B14F-4D97-AF65-F5344CB8AC3E}">
+        <p14:creationId xmlns:p14="http://schemas.microsoft.com/office/powerpoint/2010/main" val="969391803"/>
+      </p:ext>
+    </p:extLst>
+  </p:cSld>
+  <p:clrMapOvr>
+    <a:masterClrMapping/>
+  </p:clrMapOvr>
+</p:sld>
+</file>
+
+<file path=ppt/slides/slide17.xml><?xml version="1.0" encoding="utf-8"?>
 <p:sld xmlns:a="http://schemas.openxmlformats.org/drawingml/2006/main" xmlns:r="http://schemas.openxmlformats.org/officeDocument/2006/relationships" xmlns:p="http://schemas.openxmlformats.org/presentationml/2006/main">
   <p:cSld>
     <p:spTree>
@@ -3729,7 +4047,7 @@
 </p:sld>
 </file>
 
-<file path=ppt/slides/slide17.xml><?xml version="1.0" encoding="utf-8"?>
+<file path=ppt/slides/slide18.xml><?xml version="1.0" encoding="utf-8"?>
 <p:sld xmlns:a="http://schemas.openxmlformats.org/drawingml/2006/main" xmlns:r="http://schemas.openxmlformats.org/officeDocument/2006/relationships" xmlns:p="http://schemas.openxmlformats.org/presentationml/2006/main">
   <p:cSld>
     <p:spTree>
@@ -3789,124 +4107,6 @@
 </p:sld>
 </file>
 
-<file path=ppt/slides/slide18.xml><?xml version="1.0" encoding="utf-8"?>
-<p:sld xmlns:a="http://schemas.openxmlformats.org/drawingml/2006/main" xmlns:r="http://schemas.openxmlformats.org/officeDocument/2006/relationships" xmlns:p="http://schemas.openxmlformats.org/presentationml/2006/main">
-  <p:cSld>
-    <p:spTree>
-      <p:nvGrpSpPr>
-        <p:cNvPr id="1" name=""/>
-        <p:cNvGrpSpPr/>
-        <p:nvPr/>
-      </p:nvGrpSpPr>
-      <p:grpSpPr>
-        <a:xfrm>
-          <a:off x="0" y="0"/>
-          <a:ext cx="0" cy="0"/>
-          <a:chOff x="0" y="0"/>
-          <a:chExt cx="0" cy="0"/>
-        </a:xfrm>
-      </p:grpSpPr>
-      <p:sp>
-        <p:nvSpPr>
-          <p:cNvPr id="2" name="Title 1"/>
-          <p:cNvSpPr>
-            <a:spLocks noGrp="1"/>
-          </p:cNvSpPr>
-          <p:nvPr>
-            <p:ph type="title"/>
-          </p:nvPr>
-        </p:nvSpPr>
-        <p:spPr/>
-        <p:txBody>
-          <a:bodyPr/>
-          <a:lstStyle/>
-          <a:p>
-            <a:r>
-              <a:rPr lang="en-US" dirty="0" smtClean="0"/>
-              <a:t>IOT Pune</a:t>
-            </a:r>
-            <a:endParaRPr lang="en-US" dirty="0"/>
-          </a:p>
-        </p:txBody>
-      </p:sp>
-      <p:sp>
-        <p:nvSpPr>
-          <p:cNvPr id="3" name="Content Placeholder 2"/>
-          <p:cNvSpPr>
-            <a:spLocks noGrp="1"/>
-          </p:cNvSpPr>
-          <p:nvPr>
-            <p:ph idx="1"/>
-          </p:nvPr>
-        </p:nvSpPr>
-        <p:spPr/>
-        <p:txBody>
-          <a:bodyPr/>
-          <a:lstStyle/>
-          <a:p>
-            <a:r>
-              <a:rPr lang="en-US" dirty="0" smtClean="0"/>
-              <a:t>Google Groups – internet-of-things-</a:t>
-            </a:r>
-            <a:r>
-              <a:rPr lang="en-US" dirty="0" err="1" smtClean="0"/>
-              <a:t>pune</a:t>
-            </a:r>
-            <a:endParaRPr lang="en-US" dirty="0" smtClean="0"/>
-          </a:p>
-          <a:p>
-            <a:endParaRPr lang="en-US" dirty="0" smtClean="0"/>
-          </a:p>
-          <a:p>
-            <a:r>
-              <a:rPr lang="en-US" dirty="0" err="1" smtClean="0"/>
-              <a:t>Meetup.com</a:t>
-            </a:r>
-            <a:r>
-              <a:rPr lang="en-US" dirty="0"/>
-              <a:t> </a:t>
-            </a:r>
-            <a:r>
-              <a:rPr lang="en-US" dirty="0" smtClean="0"/>
-              <a:t>–</a:t>
-            </a:r>
-          </a:p>
-          <a:p>
-            <a:pPr marL="0" indent="0">
-              <a:buNone/>
-            </a:pPr>
-            <a:r>
-              <a:rPr lang="en-US" dirty="0" smtClean="0"/>
-              <a:t> </a:t>
-            </a:r>
-            <a:r>
-              <a:rPr lang="en-US" dirty="0"/>
-              <a:t>http://</a:t>
-            </a:r>
-            <a:r>
-              <a:rPr lang="en-US" dirty="0" err="1"/>
-              <a:t>www.meetup.com</a:t>
-            </a:r>
-            <a:r>
-              <a:rPr lang="en-US" dirty="0"/>
-              <a:t>/The-Internet-of-Things</a:t>
-            </a:r>
-          </a:p>
-        </p:txBody>
-      </p:sp>
-    </p:spTree>
-    <p:extLst>
-      <p:ext uri="{BB962C8B-B14F-4D97-AF65-F5344CB8AC3E}">
-        <p14:creationId xmlns:p14="http://schemas.microsoft.com/office/powerpoint/2010/main" val="1774221244"/>
-      </p:ext>
-    </p:extLst>
-  </p:cSld>
-  <p:clrMapOvr>
-    <a:masterClrMapping/>
-  </p:clrMapOvr>
-</p:sld>
-</file>
-
 <file path=ppt/slides/slide19.xml><?xml version="1.0" encoding="utf-8"?>
 <p:sld xmlns:a="http://schemas.openxmlformats.org/drawingml/2006/main" xmlns:r="http://schemas.openxmlformats.org/officeDocument/2006/relationships" xmlns:p="http://schemas.openxmlformats.org/presentationml/2006/main">
   <p:cSld>
@@ -3941,7 +4141,7 @@
           <a:p>
             <a:r>
               <a:rPr lang="en-US" dirty="0" smtClean="0"/>
-              <a:t>Thank You!</a:t>
+              <a:t>IOT Pune</a:t>
             </a:r>
             <a:endParaRPr lang="en-US" dirty="0"/>
           </a:p>
@@ -3957,97 +4157,65 @@
             <p:ph idx="1"/>
           </p:nvPr>
         </p:nvSpPr>
-        <p:spPr>
-          <a:xfrm>
-            <a:off x="469529" y="1883909"/>
-            <a:ext cx="8229600" cy="4525963"/>
-          </a:xfrm>
-        </p:spPr>
+        <p:spPr/>
         <p:txBody>
           <a:bodyPr/>
           <a:lstStyle/>
           <a:p>
             <a:r>
               <a:rPr lang="en-US" dirty="0" smtClean="0"/>
-              <a:t>Revealing Hour Creations</a:t>
-            </a:r>
-          </a:p>
-          <a:p>
+              <a:t>Google Groups – internet-of-things-</a:t>
+            </a:r>
             <a:r>
               <a:rPr lang="en-US" dirty="0" err="1" smtClean="0"/>
-              <a:t>Nishant</a:t>
-            </a:r>
+              <a:t>pune</a:t>
+            </a:r>
+            <a:endParaRPr lang="en-US" dirty="0" smtClean="0"/>
+          </a:p>
+          <a:p>
+            <a:endParaRPr lang="en-US" dirty="0" smtClean="0"/>
+          </a:p>
+          <a:p>
+            <a:r>
+              <a:rPr lang="en-US" dirty="0" err="1" smtClean="0"/>
+              <a:t>Meetup.com</a:t>
+            </a:r>
+            <a:r>
+              <a:rPr lang="en-US" dirty="0"/>
+              <a:t> </a:t>
+            </a:r>
+            <a:r>
+              <a:rPr lang="en-US" dirty="0" smtClean="0"/>
+              <a:t>–</a:t>
+            </a:r>
+          </a:p>
+          <a:p>
+            <a:pPr marL="0" indent="0">
+              <a:buNone/>
+            </a:pPr>
             <a:r>
               <a:rPr lang="en-US" dirty="0" smtClean="0"/>
               <a:t> </a:t>
             </a:r>
             <a:r>
-              <a:rPr lang="en-US" dirty="0" err="1" smtClean="0"/>
-              <a:t>Modak</a:t>
-            </a:r>
-            <a:endParaRPr lang="en-US" dirty="0" smtClean="0"/>
-          </a:p>
-          <a:p>
-            <a:r>
-              <a:rPr lang="en-US" dirty="0" err="1" smtClean="0"/>
-              <a:t>Prateek</a:t>
-            </a:r>
-            <a:r>
-              <a:rPr lang="en-US" dirty="0" smtClean="0"/>
-              <a:t> </a:t>
-            </a:r>
-            <a:r>
-              <a:rPr lang="en-US" dirty="0" err="1" smtClean="0"/>
-              <a:t>Chaudhari</a:t>
-            </a:r>
-            <a:endParaRPr lang="en-US" dirty="0" smtClean="0"/>
-          </a:p>
-          <a:p>
-            <a:r>
-              <a:rPr lang="en-US" dirty="0" err="1" smtClean="0"/>
-              <a:t>Prashant</a:t>
-            </a:r>
-            <a:r>
-              <a:rPr lang="en-US" dirty="0" smtClean="0"/>
-              <a:t> </a:t>
-            </a:r>
-            <a:r>
-              <a:rPr lang="en-US" dirty="0" err="1" smtClean="0"/>
-              <a:t>Tiwari</a:t>
-            </a:r>
-            <a:endParaRPr lang="en-US" dirty="0" smtClean="0"/>
-          </a:p>
-          <a:p>
-            <a:r>
-              <a:rPr lang="en-US" dirty="0" err="1" smtClean="0"/>
-              <a:t>Anuj</a:t>
-            </a:r>
-            <a:r>
-              <a:rPr lang="en-US" dirty="0" smtClean="0"/>
-              <a:t> </a:t>
-            </a:r>
-            <a:r>
-              <a:rPr lang="en-US" dirty="0" err="1" smtClean="0"/>
-              <a:t>Deshpande</a:t>
-            </a:r>
-            <a:endParaRPr lang="en-US" dirty="0" smtClean="0"/>
-          </a:p>
-          <a:p>
-            <a:r>
-              <a:rPr lang="en-US" dirty="0" err="1" smtClean="0"/>
-              <a:t>Sharmaji</a:t>
-            </a:r>
-            <a:endParaRPr lang="en-US" dirty="0" smtClean="0"/>
-          </a:p>
-          <a:p>
-            <a:endParaRPr lang="en-US" dirty="0"/>
+              <a:rPr lang="en-US" dirty="0"/>
+              <a:t>http://</a:t>
+            </a:r>
+            <a:r>
+              <a:rPr lang="en-US" dirty="0" err="1"/>
+              <a:t>www.meetup.com</a:t>
+            </a:r>
+            <a:r>
+              <a:rPr lang="en-US" dirty="0"/>
+              <a:t>/The-Internet-of-Things</a:t>
+            </a:r>
           </a:p>
         </p:txBody>
       </p:sp>
     </p:spTree>
     <p:extLst>
       <p:ext uri="{BB962C8B-B14F-4D97-AF65-F5344CB8AC3E}">
-        <p14:creationId xmlns:p14="http://schemas.microsoft.com/office/powerpoint/2010/main" val="1561704056"/>
+        <p14:creationId xmlns:p14="http://schemas.microsoft.com/office/powerpoint/2010/main" val="1774221244"/>
       </p:ext>
     </p:extLst>
   </p:cSld>
@@ -4132,6 +4300,156 @@
     <p:extLst>
       <p:ext uri="{BB962C8B-B14F-4D97-AF65-F5344CB8AC3E}">
         <p14:creationId xmlns:p14="http://schemas.microsoft.com/office/powerpoint/2010/main" val="1286209870"/>
+      </p:ext>
+    </p:extLst>
+  </p:cSld>
+  <p:clrMapOvr>
+    <a:masterClrMapping/>
+  </p:clrMapOvr>
+</p:sld>
+</file>
+
+<file path=ppt/slides/slide20.xml><?xml version="1.0" encoding="utf-8"?>
+<p:sld xmlns:a="http://schemas.openxmlformats.org/drawingml/2006/main" xmlns:r="http://schemas.openxmlformats.org/officeDocument/2006/relationships" xmlns:p="http://schemas.openxmlformats.org/presentationml/2006/main">
+  <p:cSld>
+    <p:spTree>
+      <p:nvGrpSpPr>
+        <p:cNvPr id="1" name=""/>
+        <p:cNvGrpSpPr/>
+        <p:nvPr/>
+      </p:nvGrpSpPr>
+      <p:grpSpPr>
+        <a:xfrm>
+          <a:off x="0" y="0"/>
+          <a:ext cx="0" cy="0"/>
+          <a:chOff x="0" y="0"/>
+          <a:chExt cx="0" cy="0"/>
+        </a:xfrm>
+      </p:grpSpPr>
+      <p:sp>
+        <p:nvSpPr>
+          <p:cNvPr id="2" name="Title 1"/>
+          <p:cNvSpPr>
+            <a:spLocks noGrp="1"/>
+          </p:cNvSpPr>
+          <p:nvPr>
+            <p:ph type="title"/>
+          </p:nvPr>
+        </p:nvSpPr>
+        <p:spPr/>
+        <p:txBody>
+          <a:bodyPr/>
+          <a:lstStyle/>
+          <a:p>
+            <a:r>
+              <a:rPr lang="en-US" dirty="0" smtClean="0"/>
+              <a:t>Thank You!</a:t>
+            </a:r>
+            <a:endParaRPr lang="en-US" dirty="0"/>
+          </a:p>
+        </p:txBody>
+      </p:sp>
+      <p:sp>
+        <p:nvSpPr>
+          <p:cNvPr id="3" name="Content Placeholder 2"/>
+          <p:cNvSpPr>
+            <a:spLocks noGrp="1"/>
+          </p:cNvSpPr>
+          <p:nvPr>
+            <p:ph idx="1"/>
+          </p:nvPr>
+        </p:nvSpPr>
+        <p:spPr>
+          <a:xfrm>
+            <a:off x="469529" y="1883909"/>
+            <a:ext cx="8229600" cy="4525963"/>
+          </a:xfrm>
+        </p:spPr>
+        <p:txBody>
+          <a:bodyPr/>
+          <a:lstStyle/>
+          <a:p>
+            <a:r>
+              <a:rPr lang="en-US" dirty="0" smtClean="0"/>
+              <a:t>Revealing Hour Creations</a:t>
+            </a:r>
+          </a:p>
+          <a:p>
+            <a:r>
+              <a:rPr lang="en-US" dirty="0" err="1" smtClean="0"/>
+              <a:t>Nishant</a:t>
+            </a:r>
+            <a:r>
+              <a:rPr lang="en-US" dirty="0" smtClean="0"/>
+              <a:t> </a:t>
+            </a:r>
+            <a:r>
+              <a:rPr lang="en-US" dirty="0" err="1" smtClean="0"/>
+              <a:t>Modak</a:t>
+            </a:r>
+            <a:endParaRPr lang="en-US" dirty="0" smtClean="0"/>
+          </a:p>
+          <a:p>
+            <a:r>
+              <a:rPr lang="en-US" dirty="0" err="1" smtClean="0"/>
+              <a:t>Prateek</a:t>
+            </a:r>
+            <a:r>
+              <a:rPr lang="en-US" dirty="0" smtClean="0"/>
+              <a:t> </a:t>
+            </a:r>
+            <a:r>
+              <a:rPr lang="en-US" dirty="0" err="1" smtClean="0"/>
+              <a:t>Chaudhari</a:t>
+            </a:r>
+            <a:endParaRPr lang="en-US" dirty="0" smtClean="0"/>
+          </a:p>
+          <a:p>
+            <a:r>
+              <a:rPr lang="en-US" dirty="0" err="1" smtClean="0"/>
+              <a:t>Prashant</a:t>
+            </a:r>
+            <a:r>
+              <a:rPr lang="en-US" dirty="0" smtClean="0"/>
+              <a:t> </a:t>
+            </a:r>
+            <a:r>
+              <a:rPr lang="en-US" dirty="0" err="1" smtClean="0"/>
+              <a:t>Tiwari</a:t>
+            </a:r>
+            <a:endParaRPr lang="en-US" dirty="0" smtClean="0"/>
+          </a:p>
+          <a:p>
+            <a:r>
+              <a:rPr lang="en-US" dirty="0" err="1" smtClean="0"/>
+              <a:t>Anuj</a:t>
+            </a:r>
+            <a:r>
+              <a:rPr lang="en-US" dirty="0" smtClean="0"/>
+              <a:t> </a:t>
+            </a:r>
+            <a:r>
+              <a:rPr lang="en-US" dirty="0" err="1" smtClean="0"/>
+              <a:t>Deshpande</a:t>
+            </a:r>
+            <a:endParaRPr lang="en-US" dirty="0" smtClean="0"/>
+          </a:p>
+          <a:p>
+            <a:r>
+              <a:rPr lang="en-US" dirty="0" err="1" smtClean="0"/>
+              <a:t>Sharmaji</a:t>
+            </a:r>
+            <a:endParaRPr lang="en-US" dirty="0" smtClean="0"/>
+          </a:p>
+          <a:p>
+            <a:endParaRPr lang="en-US" dirty="0"/>
+          </a:p>
+        </p:txBody>
+      </p:sp>
+    </p:spTree>
+    <p:extLst>
+      <p:ext uri="{BB962C8B-B14F-4D97-AF65-F5344CB8AC3E}">
+        <p14:creationId xmlns:p14="http://schemas.microsoft.com/office/powerpoint/2010/main" val="1561704056"/>
       </p:ext>
     </p:extLst>
   </p:cSld>
@@ -4495,7 +4813,7 @@
           <a:p>
             <a:r>
               <a:rPr lang="en-US" dirty="0" smtClean="0"/>
-              <a:t>What can it Do?</a:t>
+              <a:t>What else can it do?</a:t>
             </a:r>
             <a:endParaRPr lang="en-US" dirty="0"/>
           </a:p>
@@ -4578,7 +4896,7 @@
           <a:p>
             <a:r>
               <a:rPr lang="en-US" dirty="0" smtClean="0"/>
-              <a:t>What can it do!?</a:t>
+              <a:t>And what else can it do!?</a:t>
             </a:r>
             <a:endParaRPr lang="en-US" dirty="0"/>
           </a:p>
@@ -4656,7 +4974,7 @@
           <a:p>
             <a:r>
               <a:rPr lang="en-US" dirty="0" smtClean="0"/>
-              <a:t>WHAT CAN IT DO!?</a:t>
+              <a:t>WTH!!!</a:t>
             </a:r>
             <a:endParaRPr lang="en-US" dirty="0"/>
           </a:p>

--- a/Presentation.pptx
+++ b/Presentation.pptx
@@ -6,25 +6,26 @@
   </p:sldMasterIdLst>
   <p:sldIdLst>
     <p:sldId id="256" r:id="rId2"/>
-    <p:sldId id="270" r:id="rId3"/>
-    <p:sldId id="269" r:id="rId4"/>
-    <p:sldId id="257" r:id="rId5"/>
-    <p:sldId id="276" r:id="rId6"/>
-    <p:sldId id="258" r:id="rId7"/>
-    <p:sldId id="262" r:id="rId8"/>
-    <p:sldId id="271" r:id="rId9"/>
-    <p:sldId id="272" r:id="rId10"/>
-    <p:sldId id="259" r:id="rId11"/>
-    <p:sldId id="261" r:id="rId12"/>
-    <p:sldId id="263" r:id="rId13"/>
-    <p:sldId id="265" r:id="rId14"/>
-    <p:sldId id="264" r:id="rId15"/>
-    <p:sldId id="266" r:id="rId16"/>
-    <p:sldId id="277" r:id="rId17"/>
-    <p:sldId id="268" r:id="rId18"/>
-    <p:sldId id="273" r:id="rId19"/>
-    <p:sldId id="274" r:id="rId20"/>
-    <p:sldId id="275" r:id="rId21"/>
+    <p:sldId id="278" r:id="rId3"/>
+    <p:sldId id="270" r:id="rId4"/>
+    <p:sldId id="269" r:id="rId5"/>
+    <p:sldId id="257" r:id="rId6"/>
+    <p:sldId id="276" r:id="rId7"/>
+    <p:sldId id="258" r:id="rId8"/>
+    <p:sldId id="262" r:id="rId9"/>
+    <p:sldId id="271" r:id="rId10"/>
+    <p:sldId id="272" r:id="rId11"/>
+    <p:sldId id="259" r:id="rId12"/>
+    <p:sldId id="261" r:id="rId13"/>
+    <p:sldId id="263" r:id="rId14"/>
+    <p:sldId id="265" r:id="rId15"/>
+    <p:sldId id="264" r:id="rId16"/>
+    <p:sldId id="266" r:id="rId17"/>
+    <p:sldId id="277" r:id="rId18"/>
+    <p:sldId id="268" r:id="rId19"/>
+    <p:sldId id="273" r:id="rId20"/>
+    <p:sldId id="274" r:id="rId21"/>
+    <p:sldId id="275" r:id="rId22"/>
   </p:sldIdLst>
   <p:sldSz cx="9144000" cy="6858000" type="screen4x3"/>
   <p:notesSz cx="6858000" cy="9144000"/>
@@ -3202,6 +3203,84 @@
           <a:chExt cx="0" cy="0"/>
         </a:xfrm>
       </p:grpSpPr>
+      <p:sp>
+        <p:nvSpPr>
+          <p:cNvPr id="2" name="Title 1"/>
+          <p:cNvSpPr>
+            <a:spLocks noGrp="1"/>
+          </p:cNvSpPr>
+          <p:nvPr>
+            <p:ph type="title"/>
+          </p:nvPr>
+        </p:nvSpPr>
+        <p:spPr/>
+        <p:txBody>
+          <a:bodyPr/>
+          <a:lstStyle/>
+          <a:p>
+            <a:r>
+              <a:rPr lang="en-US" dirty="0" smtClean="0"/>
+              <a:t>WTH!!!</a:t>
+            </a:r>
+            <a:endParaRPr lang="en-US" dirty="0"/>
+          </a:p>
+        </p:txBody>
+      </p:sp>
+      <p:pic>
+        <p:nvPicPr>
+          <p:cNvPr id="4" name="Content Placeholder 3" descr="4162130652_194d5fa999_m.jpg"/>
+          <p:cNvPicPr>
+            <a:picLocks noGrp="1" noChangeAspect="1"/>
+          </p:cNvPicPr>
+          <p:nvPr>
+            <p:ph idx="1"/>
+          </p:nvPr>
+        </p:nvPicPr>
+        <p:blipFill>
+          <a:blip r:embed="rId2">
+            <a:extLst>
+              <a:ext uri="{28A0092B-C50C-407E-A947-70E740481C1C}">
+                <a14:useLocalDpi xmlns:a14="http://schemas.microsoft.com/office/drawing/2010/main" val="0"/>
+              </a:ext>
+            </a:extLst>
+          </a:blip>
+          <a:srcRect l="-10610" r="-10610"/>
+          <a:stretch>
+            <a:fillRect/>
+          </a:stretch>
+        </p:blipFill>
+        <p:spPr/>
+      </p:pic>
+    </p:spTree>
+    <p:extLst>
+      <p:ext uri="{BB962C8B-B14F-4D97-AF65-F5344CB8AC3E}">
+        <p14:creationId xmlns:p14="http://schemas.microsoft.com/office/powerpoint/2010/main" val="2806090275"/>
+      </p:ext>
+    </p:extLst>
+  </p:cSld>
+  <p:clrMapOvr>
+    <a:masterClrMapping/>
+  </p:clrMapOvr>
+</p:sld>
+</file>
+
+<file path=ppt/slides/slide11.xml><?xml version="1.0" encoding="utf-8"?>
+<p:sld xmlns:a="http://schemas.openxmlformats.org/drawingml/2006/main" xmlns:r="http://schemas.openxmlformats.org/officeDocument/2006/relationships" xmlns:p="http://schemas.openxmlformats.org/presentationml/2006/main">
+  <p:cSld>
+    <p:spTree>
+      <p:nvGrpSpPr>
+        <p:cNvPr id="1" name=""/>
+        <p:cNvGrpSpPr/>
+        <p:nvPr/>
+      </p:nvGrpSpPr>
+      <p:grpSpPr>
+        <a:xfrm>
+          <a:off x="0" y="0"/>
+          <a:ext cx="0" cy="0"/>
+          <a:chOff x="0" y="0"/>
+          <a:chExt cx="0" cy="0"/>
+        </a:xfrm>
+      </p:grpSpPr>
       <p:pic>
         <p:nvPicPr>
           <p:cNvPr id="4" name="Content Placeholder 3" descr="3m3tp.jpg"/>
@@ -3252,7 +3331,7 @@
 </p:sld>
 </file>
 
-<file path=ppt/slides/slide11.xml><?xml version="1.0" encoding="utf-8"?>
+<file path=ppt/slides/slide12.xml><?xml version="1.0" encoding="utf-8"?>
 <p:sld xmlns:a="http://schemas.openxmlformats.org/drawingml/2006/main" xmlns:r="http://schemas.openxmlformats.org/officeDocument/2006/relationships" xmlns:p="http://schemas.openxmlformats.org/presentationml/2006/main">
   <p:cSld>
     <p:spTree>
@@ -3400,7 +3479,7 @@
 </p:sld>
 </file>
 
-<file path=ppt/slides/slide12.xml><?xml version="1.0" encoding="utf-8"?>
+<file path=ppt/slides/slide13.xml><?xml version="1.0" encoding="utf-8"?>
 <p:sld xmlns:a="http://schemas.openxmlformats.org/drawingml/2006/main" xmlns:r="http://schemas.openxmlformats.org/officeDocument/2006/relationships" xmlns:p="http://schemas.openxmlformats.org/presentationml/2006/main">
   <p:cSld>
     <p:spTree>
@@ -3490,7 +3569,7 @@
 </p:sld>
 </file>
 
-<file path=ppt/slides/slide13.xml><?xml version="1.0" encoding="utf-8"?>
+<file path=ppt/slides/slide14.xml><?xml version="1.0" encoding="utf-8"?>
 <p:sld xmlns:a="http://schemas.openxmlformats.org/drawingml/2006/main" xmlns:r="http://schemas.openxmlformats.org/officeDocument/2006/relationships" xmlns:p="http://schemas.openxmlformats.org/presentationml/2006/main">
   <p:cSld>
     <p:spTree>
@@ -3605,7 +3684,7 @@
 </p:sld>
 </file>
 
-<file path=ppt/slides/slide14.xml><?xml version="1.0" encoding="utf-8"?>
+<file path=ppt/slides/slide15.xml><?xml version="1.0" encoding="utf-8"?>
 <p:sld xmlns:a="http://schemas.openxmlformats.org/drawingml/2006/main" xmlns:r="http://schemas.openxmlformats.org/officeDocument/2006/relationships" xmlns:p="http://schemas.openxmlformats.org/presentationml/2006/main">
   <p:cSld>
     <p:spTree>
@@ -3742,7 +3821,7 @@
 </p:sld>
 </file>
 
-<file path=ppt/slides/slide15.xml><?xml version="1.0" encoding="utf-8"?>
+<file path=ppt/slides/slide16.xml><?xml version="1.0" encoding="utf-8"?>
 <p:sld xmlns:a="http://schemas.openxmlformats.org/drawingml/2006/main" xmlns:r="http://schemas.openxmlformats.org/officeDocument/2006/relationships" xmlns:p="http://schemas.openxmlformats.org/presentationml/2006/main">
   <p:cSld>
     <p:spTree>
@@ -3873,7 +3952,7 @@
 </p:sld>
 </file>
 
-<file path=ppt/slides/slide16.xml><?xml version="1.0" encoding="utf-8"?>
+<file path=ppt/slides/slide17.xml><?xml version="1.0" encoding="utf-8"?>
 <p:sld xmlns:a="http://schemas.openxmlformats.org/drawingml/2006/main" xmlns:r="http://schemas.openxmlformats.org/officeDocument/2006/relationships" xmlns:p="http://schemas.openxmlformats.org/presentationml/2006/main">
   <p:cSld>
     <p:spTree>
@@ -3987,7 +4066,7 @@
 </p:sld>
 </file>
 
-<file path=ppt/slides/slide17.xml><?xml version="1.0" encoding="utf-8"?>
+<file path=ppt/slides/slide18.xml><?xml version="1.0" encoding="utf-8"?>
 <p:sld xmlns:a="http://schemas.openxmlformats.org/drawingml/2006/main" xmlns:r="http://schemas.openxmlformats.org/officeDocument/2006/relationships" xmlns:p="http://schemas.openxmlformats.org/presentationml/2006/main">
   <p:cSld>
     <p:spTree>
@@ -4047,7 +4126,7 @@
 </p:sld>
 </file>
 
-<file path=ppt/slides/slide18.xml><?xml version="1.0" encoding="utf-8"?>
+<file path=ppt/slides/slide19.xml><?xml version="1.0" encoding="utf-8"?>
 <p:sld xmlns:a="http://schemas.openxmlformats.org/drawingml/2006/main" xmlns:r="http://schemas.openxmlformats.org/officeDocument/2006/relationships" xmlns:p="http://schemas.openxmlformats.org/presentationml/2006/main">
   <p:cSld>
     <p:spTree>
@@ -4107,124 +4186,6 @@
 </p:sld>
 </file>
 
-<file path=ppt/slides/slide19.xml><?xml version="1.0" encoding="utf-8"?>
-<p:sld xmlns:a="http://schemas.openxmlformats.org/drawingml/2006/main" xmlns:r="http://schemas.openxmlformats.org/officeDocument/2006/relationships" xmlns:p="http://schemas.openxmlformats.org/presentationml/2006/main">
-  <p:cSld>
-    <p:spTree>
-      <p:nvGrpSpPr>
-        <p:cNvPr id="1" name=""/>
-        <p:cNvGrpSpPr/>
-        <p:nvPr/>
-      </p:nvGrpSpPr>
-      <p:grpSpPr>
-        <a:xfrm>
-          <a:off x="0" y="0"/>
-          <a:ext cx="0" cy="0"/>
-          <a:chOff x="0" y="0"/>
-          <a:chExt cx="0" cy="0"/>
-        </a:xfrm>
-      </p:grpSpPr>
-      <p:sp>
-        <p:nvSpPr>
-          <p:cNvPr id="2" name="Title 1"/>
-          <p:cNvSpPr>
-            <a:spLocks noGrp="1"/>
-          </p:cNvSpPr>
-          <p:nvPr>
-            <p:ph type="title"/>
-          </p:nvPr>
-        </p:nvSpPr>
-        <p:spPr/>
-        <p:txBody>
-          <a:bodyPr/>
-          <a:lstStyle/>
-          <a:p>
-            <a:r>
-              <a:rPr lang="en-US" dirty="0" smtClean="0"/>
-              <a:t>IOT Pune</a:t>
-            </a:r>
-            <a:endParaRPr lang="en-US" dirty="0"/>
-          </a:p>
-        </p:txBody>
-      </p:sp>
-      <p:sp>
-        <p:nvSpPr>
-          <p:cNvPr id="3" name="Content Placeholder 2"/>
-          <p:cNvSpPr>
-            <a:spLocks noGrp="1"/>
-          </p:cNvSpPr>
-          <p:nvPr>
-            <p:ph idx="1"/>
-          </p:nvPr>
-        </p:nvSpPr>
-        <p:spPr/>
-        <p:txBody>
-          <a:bodyPr/>
-          <a:lstStyle/>
-          <a:p>
-            <a:r>
-              <a:rPr lang="en-US" dirty="0" smtClean="0"/>
-              <a:t>Google Groups – internet-of-things-</a:t>
-            </a:r>
-            <a:r>
-              <a:rPr lang="en-US" dirty="0" err="1" smtClean="0"/>
-              <a:t>pune</a:t>
-            </a:r>
-            <a:endParaRPr lang="en-US" dirty="0" smtClean="0"/>
-          </a:p>
-          <a:p>
-            <a:endParaRPr lang="en-US" dirty="0" smtClean="0"/>
-          </a:p>
-          <a:p>
-            <a:r>
-              <a:rPr lang="en-US" dirty="0" err="1" smtClean="0"/>
-              <a:t>Meetup.com</a:t>
-            </a:r>
-            <a:r>
-              <a:rPr lang="en-US" dirty="0"/>
-              <a:t> </a:t>
-            </a:r>
-            <a:r>
-              <a:rPr lang="en-US" dirty="0" smtClean="0"/>
-              <a:t>–</a:t>
-            </a:r>
-          </a:p>
-          <a:p>
-            <a:pPr marL="0" indent="0">
-              <a:buNone/>
-            </a:pPr>
-            <a:r>
-              <a:rPr lang="en-US" dirty="0" smtClean="0"/>
-              <a:t> </a:t>
-            </a:r>
-            <a:r>
-              <a:rPr lang="en-US" dirty="0"/>
-              <a:t>http://</a:t>
-            </a:r>
-            <a:r>
-              <a:rPr lang="en-US" dirty="0" err="1"/>
-              <a:t>www.meetup.com</a:t>
-            </a:r>
-            <a:r>
-              <a:rPr lang="en-US" dirty="0"/>
-              <a:t>/The-Internet-of-Things</a:t>
-            </a:r>
-          </a:p>
-        </p:txBody>
-      </p:sp>
-    </p:spTree>
-    <p:extLst>
-      <p:ext uri="{BB962C8B-B14F-4D97-AF65-F5344CB8AC3E}">
-        <p14:creationId xmlns:p14="http://schemas.microsoft.com/office/powerpoint/2010/main" val="1774221244"/>
-      </p:ext>
-    </p:extLst>
-  </p:cSld>
-  <p:clrMapOvr>
-    <a:masterClrMapping/>
-  </p:clrMapOvr>
-</p:sld>
-</file>
-
 <file path=ppt/slides/slide2.xml><?xml version="1.0" encoding="utf-8"?>
 <p:sld xmlns:a="http://schemas.openxmlformats.org/drawingml/2006/main" xmlns:r="http://schemas.openxmlformats.org/officeDocument/2006/relationships" xmlns:p="http://schemas.openxmlformats.org/presentationml/2006/main">
   <p:cSld>
@@ -4244,62 +4205,110 @@
       </p:grpSpPr>
       <p:sp>
         <p:nvSpPr>
-          <p:cNvPr id="2" name="Title 1"/>
-          <p:cNvSpPr>
-            <a:spLocks noGrp="1"/>
-          </p:cNvSpPr>
-          <p:nvPr>
-            <p:ph type="title"/>
-          </p:nvPr>
-        </p:nvSpPr>
-        <p:spPr/>
-        <p:txBody>
-          <a:bodyPr/>
-          <a:lstStyle/>
-          <a:p>
+          <p:cNvPr id="3" name="Content Placeholder 2"/>
+          <p:cNvSpPr>
+            <a:spLocks noGrp="1"/>
+          </p:cNvSpPr>
+          <p:nvPr>
+            <p:ph idx="1"/>
+          </p:nvPr>
+        </p:nvSpPr>
+        <p:spPr/>
+        <p:txBody>
+          <a:bodyPr/>
+          <a:lstStyle/>
+          <a:p>
+            <a:endParaRPr lang="en-US" dirty="0" smtClean="0"/>
+          </a:p>
+          <a:p>
+            <a:endParaRPr lang="en-US" dirty="0" smtClean="0"/>
+          </a:p>
+          <a:p>
+            <a:endParaRPr lang="en-US" dirty="0"/>
+          </a:p>
+          <a:p>
+            <a:endParaRPr lang="en-US" dirty="0" smtClean="0"/>
+          </a:p>
+          <a:p>
+            <a:r>
+              <a:rPr lang="en-US" dirty="0" err="1" smtClean="0"/>
+              <a:t>Prakash</a:t>
+            </a:r>
             <a:r>
               <a:rPr lang="en-US" dirty="0" smtClean="0"/>
-              <a:t>Setup</a:t>
-            </a:r>
+              <a:t> </a:t>
+            </a:r>
+            <a:r>
+              <a:rPr lang="en-US" dirty="0" err="1" smtClean="0"/>
+              <a:t>Wagle</a:t>
+            </a:r>
+            <a:r>
+              <a:rPr lang="en-US" dirty="0" smtClean="0"/>
+              <a:t>     @prakashwagle89</a:t>
+            </a:r>
+          </a:p>
+          <a:p>
             <a:endParaRPr lang="en-US" dirty="0"/>
           </a:p>
-        </p:txBody>
-      </p:sp>
-      <p:sp>
-        <p:nvSpPr>
-          <p:cNvPr id="3" name="Content Placeholder 2"/>
-          <p:cNvSpPr>
-            <a:spLocks noGrp="1"/>
-          </p:cNvSpPr>
-          <p:nvPr>
-            <p:ph idx="1"/>
-          </p:nvPr>
-        </p:nvSpPr>
-        <p:spPr/>
-        <p:txBody>
-          <a:bodyPr/>
-          <a:lstStyle/>
-          <a:p>
+          <a:p>
+            <a:r>
+              <a:rPr lang="en-US" dirty="0" err="1" smtClean="0"/>
+              <a:t>Siddharth</a:t>
+            </a:r>
             <a:r>
               <a:rPr lang="en-US" dirty="0" smtClean="0"/>
-              <a:t>Arduino IDE for Mac OSX, Linux &amp; Windows!</a:t>
-            </a:r>
-          </a:p>
-          <a:p>
-            <a:endParaRPr lang="en-US" dirty="0"/>
-          </a:p>
-          <a:p>
+              <a:t> </a:t>
+            </a:r>
+            <a:r>
+              <a:rPr lang="en-US" dirty="0" err="1" smtClean="0"/>
+              <a:t>Bhagwan</a:t>
+            </a:r>
             <a:r>
               <a:rPr lang="en-US" dirty="0" smtClean="0"/>
-              <a:t>FTDI Drivers for MAC OSX, Linux, Windows!</a:t>
-            </a:r>
-          </a:p>
-        </p:txBody>
-      </p:sp>
+              <a:t>     @</a:t>
+            </a:r>
+            <a:r>
+              <a:rPr lang="en-US" dirty="0" err="1" smtClean="0"/>
+              <a:t>siddhartha_b</a:t>
+            </a:r>
+            <a:endParaRPr lang="en-US" dirty="0" smtClean="0"/>
+          </a:p>
+        </p:txBody>
+      </p:sp>
+      <p:pic>
+        <p:nvPicPr>
+          <p:cNvPr id="4" name="Picture 3" descr="arduino-icon-small.png"/>
+          <p:cNvPicPr>
+            <a:picLocks noChangeAspect="1"/>
+          </p:cNvPicPr>
+          <p:nvPr/>
+        </p:nvPicPr>
+        <p:blipFill>
+          <a:blip r:embed="rId2">
+            <a:extLst>
+              <a:ext uri="{28A0092B-C50C-407E-A947-70E740481C1C}">
+                <a14:useLocalDpi xmlns:a14="http://schemas.microsoft.com/office/drawing/2010/main" val="0"/>
+              </a:ext>
+            </a:extLst>
+          </a:blip>
+          <a:stretch>
+            <a:fillRect/>
+          </a:stretch>
+        </p:blipFill>
+        <p:spPr>
+          <a:xfrm>
+            <a:off x="2946400" y="153524"/>
+            <a:ext cx="3251200" cy="3251200"/>
+          </a:xfrm>
+          <a:prstGeom prst="rect">
+            <a:avLst/>
+          </a:prstGeom>
+        </p:spPr>
+      </p:pic>
     </p:spTree>
     <p:extLst>
       <p:ext uri="{BB962C8B-B14F-4D97-AF65-F5344CB8AC3E}">
-        <p14:creationId xmlns:p14="http://schemas.microsoft.com/office/powerpoint/2010/main" val="1286209870"/>
+        <p14:creationId xmlns:p14="http://schemas.microsoft.com/office/powerpoint/2010/main" val="1073862803"/>
       </p:ext>
     </p:extLst>
   </p:cSld>
@@ -4310,6 +4319,124 @@
 </file>
 
 <file path=ppt/slides/slide20.xml><?xml version="1.0" encoding="utf-8"?>
+<p:sld xmlns:a="http://schemas.openxmlformats.org/drawingml/2006/main" xmlns:r="http://schemas.openxmlformats.org/officeDocument/2006/relationships" xmlns:p="http://schemas.openxmlformats.org/presentationml/2006/main">
+  <p:cSld>
+    <p:spTree>
+      <p:nvGrpSpPr>
+        <p:cNvPr id="1" name=""/>
+        <p:cNvGrpSpPr/>
+        <p:nvPr/>
+      </p:nvGrpSpPr>
+      <p:grpSpPr>
+        <a:xfrm>
+          <a:off x="0" y="0"/>
+          <a:ext cx="0" cy="0"/>
+          <a:chOff x="0" y="0"/>
+          <a:chExt cx="0" cy="0"/>
+        </a:xfrm>
+      </p:grpSpPr>
+      <p:sp>
+        <p:nvSpPr>
+          <p:cNvPr id="2" name="Title 1"/>
+          <p:cNvSpPr>
+            <a:spLocks noGrp="1"/>
+          </p:cNvSpPr>
+          <p:nvPr>
+            <p:ph type="title"/>
+          </p:nvPr>
+        </p:nvSpPr>
+        <p:spPr/>
+        <p:txBody>
+          <a:bodyPr/>
+          <a:lstStyle/>
+          <a:p>
+            <a:r>
+              <a:rPr lang="en-US" dirty="0" smtClean="0"/>
+              <a:t>IOT Pune</a:t>
+            </a:r>
+            <a:endParaRPr lang="en-US" dirty="0"/>
+          </a:p>
+        </p:txBody>
+      </p:sp>
+      <p:sp>
+        <p:nvSpPr>
+          <p:cNvPr id="3" name="Content Placeholder 2"/>
+          <p:cNvSpPr>
+            <a:spLocks noGrp="1"/>
+          </p:cNvSpPr>
+          <p:nvPr>
+            <p:ph idx="1"/>
+          </p:nvPr>
+        </p:nvSpPr>
+        <p:spPr/>
+        <p:txBody>
+          <a:bodyPr/>
+          <a:lstStyle/>
+          <a:p>
+            <a:r>
+              <a:rPr lang="en-US" dirty="0" smtClean="0"/>
+              <a:t>Google Groups – internet-of-things-</a:t>
+            </a:r>
+            <a:r>
+              <a:rPr lang="en-US" dirty="0" err="1" smtClean="0"/>
+              <a:t>pune</a:t>
+            </a:r>
+            <a:endParaRPr lang="en-US" dirty="0" smtClean="0"/>
+          </a:p>
+          <a:p>
+            <a:endParaRPr lang="en-US" dirty="0" smtClean="0"/>
+          </a:p>
+          <a:p>
+            <a:r>
+              <a:rPr lang="en-US" dirty="0" err="1" smtClean="0"/>
+              <a:t>Meetup.com</a:t>
+            </a:r>
+            <a:r>
+              <a:rPr lang="en-US" dirty="0"/>
+              <a:t> </a:t>
+            </a:r>
+            <a:r>
+              <a:rPr lang="en-US" dirty="0" smtClean="0"/>
+              <a:t>–</a:t>
+            </a:r>
+          </a:p>
+          <a:p>
+            <a:pPr marL="0" indent="0">
+              <a:buNone/>
+            </a:pPr>
+            <a:r>
+              <a:rPr lang="en-US" dirty="0" smtClean="0"/>
+              <a:t> </a:t>
+            </a:r>
+            <a:r>
+              <a:rPr lang="en-US" dirty="0"/>
+              <a:t>http://</a:t>
+            </a:r>
+            <a:r>
+              <a:rPr lang="en-US" dirty="0" err="1"/>
+              <a:t>www.meetup.com</a:t>
+            </a:r>
+            <a:r>
+              <a:rPr lang="en-US" dirty="0"/>
+              <a:t>/The-Internet-of-Things</a:t>
+            </a:r>
+          </a:p>
+        </p:txBody>
+      </p:sp>
+    </p:spTree>
+    <p:extLst>
+      <p:ext uri="{BB962C8B-B14F-4D97-AF65-F5344CB8AC3E}">
+        <p14:creationId xmlns:p14="http://schemas.microsoft.com/office/powerpoint/2010/main" val="1774221244"/>
+      </p:ext>
+    </p:extLst>
+  </p:cSld>
+  <p:clrMapOvr>
+    <a:masterClrMapping/>
+  </p:clrMapOvr>
+</p:sld>
+</file>
+
+<file path=ppt/slides/slide21.xml><?xml version="1.0" encoding="utf-8"?>
 <p:sld xmlns:a="http://schemas.openxmlformats.org/drawingml/2006/main" xmlns:r="http://schemas.openxmlformats.org/officeDocument/2006/relationships" xmlns:p="http://schemas.openxmlformats.org/presentationml/2006/main">
   <p:cSld>
     <p:spTree>
@@ -4492,6 +4619,90 @@
           <a:lstStyle/>
           <a:p>
             <a:r>
+              <a:rPr lang="en-US" dirty="0" smtClean="0"/>
+              <a:t>Setup</a:t>
+            </a:r>
+            <a:endParaRPr lang="en-US" dirty="0"/>
+          </a:p>
+        </p:txBody>
+      </p:sp>
+      <p:sp>
+        <p:nvSpPr>
+          <p:cNvPr id="3" name="Content Placeholder 2"/>
+          <p:cNvSpPr>
+            <a:spLocks noGrp="1"/>
+          </p:cNvSpPr>
+          <p:nvPr>
+            <p:ph idx="1"/>
+          </p:nvPr>
+        </p:nvSpPr>
+        <p:spPr/>
+        <p:txBody>
+          <a:bodyPr/>
+          <a:lstStyle/>
+          <a:p>
+            <a:r>
+              <a:rPr lang="en-US" dirty="0" smtClean="0"/>
+              <a:t>Arduino IDE for Mac OSX, Linux &amp; Windows!</a:t>
+            </a:r>
+          </a:p>
+          <a:p>
+            <a:endParaRPr lang="en-US" dirty="0"/>
+          </a:p>
+          <a:p>
+            <a:r>
+              <a:rPr lang="en-US" dirty="0" smtClean="0"/>
+              <a:t>FTDI Drivers for MAC OSX, Linux, Windows!</a:t>
+            </a:r>
+          </a:p>
+        </p:txBody>
+      </p:sp>
+    </p:spTree>
+    <p:extLst>
+      <p:ext uri="{BB962C8B-B14F-4D97-AF65-F5344CB8AC3E}">
+        <p14:creationId xmlns:p14="http://schemas.microsoft.com/office/powerpoint/2010/main" val="1286209870"/>
+      </p:ext>
+    </p:extLst>
+  </p:cSld>
+  <p:clrMapOvr>
+    <a:masterClrMapping/>
+  </p:clrMapOvr>
+</p:sld>
+</file>
+
+<file path=ppt/slides/slide4.xml><?xml version="1.0" encoding="utf-8"?>
+<p:sld xmlns:a="http://schemas.openxmlformats.org/drawingml/2006/main" xmlns:r="http://schemas.openxmlformats.org/officeDocument/2006/relationships" xmlns:p="http://schemas.openxmlformats.org/presentationml/2006/main">
+  <p:cSld>
+    <p:spTree>
+      <p:nvGrpSpPr>
+        <p:cNvPr id="1" name=""/>
+        <p:cNvGrpSpPr/>
+        <p:nvPr/>
+      </p:nvGrpSpPr>
+      <p:grpSpPr>
+        <a:xfrm>
+          <a:off x="0" y="0"/>
+          <a:ext cx="0" cy="0"/>
+          <a:chOff x="0" y="0"/>
+          <a:chExt cx="0" cy="0"/>
+        </a:xfrm>
+      </p:grpSpPr>
+      <p:sp>
+        <p:nvSpPr>
+          <p:cNvPr id="2" name="Title 1"/>
+          <p:cNvSpPr>
+            <a:spLocks noGrp="1"/>
+          </p:cNvSpPr>
+          <p:nvPr>
+            <p:ph type="title"/>
+          </p:nvPr>
+        </p:nvSpPr>
+        <p:spPr/>
+        <p:txBody>
+          <a:bodyPr/>
+          <a:lstStyle/>
+          <a:p>
+            <a:r>
               <a:rPr lang="en-US" dirty="0" err="1" smtClean="0"/>
               <a:t>Github</a:t>
             </a:r>
@@ -4535,7 +4746,7 @@
 </p:sld>
 </file>
 
-<file path=ppt/slides/slide4.xml><?xml version="1.0" encoding="utf-8"?>
+<file path=ppt/slides/slide5.xml><?xml version="1.0" encoding="utf-8"?>
 <p:sld xmlns:a="http://schemas.openxmlformats.org/drawingml/2006/main" xmlns:r="http://schemas.openxmlformats.org/officeDocument/2006/relationships" xmlns:p="http://schemas.openxmlformats.org/presentationml/2006/main">
   <p:cSld>
     <p:spTree>
@@ -4618,7 +4829,7 @@
 </p:sld>
 </file>
 
-<file path=ppt/slides/slide5.xml><?xml version="1.0" encoding="utf-8"?>
+<file path=ppt/slides/slide6.xml><?xml version="1.0" encoding="utf-8"?>
 <p:sld xmlns:a="http://schemas.openxmlformats.org/drawingml/2006/main" xmlns:r="http://schemas.openxmlformats.org/officeDocument/2006/relationships" xmlns:p="http://schemas.openxmlformats.org/presentationml/2006/main">
   <p:cSld>
     <p:spTree>
@@ -4696,7 +4907,7 @@
 </p:sld>
 </file>
 
-<file path=ppt/slides/slide6.xml><?xml version="1.0" encoding="utf-8"?>
+<file path=ppt/slides/slide7.xml><?xml version="1.0" encoding="utf-8"?>
 <p:sld xmlns:a="http://schemas.openxmlformats.org/drawingml/2006/main" xmlns:r="http://schemas.openxmlformats.org/officeDocument/2006/relationships" xmlns:p="http://schemas.openxmlformats.org/presentationml/2006/main">
   <p:cSld>
     <p:spTree>
@@ -4779,7 +4990,7 @@
 </p:sld>
 </file>
 
-<file path=ppt/slides/slide7.xml><?xml version="1.0" encoding="utf-8"?>
+<file path=ppt/slides/slide8.xml><?xml version="1.0" encoding="utf-8"?>
 <p:sld xmlns:a="http://schemas.openxmlformats.org/drawingml/2006/main" xmlns:r="http://schemas.openxmlformats.org/officeDocument/2006/relationships" xmlns:p="http://schemas.openxmlformats.org/presentationml/2006/main">
   <p:cSld>
     <p:spTree>
@@ -4862,84 +5073,6 @@
 </p:sld>
 </file>
 
-<file path=ppt/slides/slide8.xml><?xml version="1.0" encoding="utf-8"?>
-<p:sld xmlns:a="http://schemas.openxmlformats.org/drawingml/2006/main" xmlns:r="http://schemas.openxmlformats.org/officeDocument/2006/relationships" xmlns:p="http://schemas.openxmlformats.org/presentationml/2006/main">
-  <p:cSld>
-    <p:spTree>
-      <p:nvGrpSpPr>
-        <p:cNvPr id="1" name=""/>
-        <p:cNvGrpSpPr/>
-        <p:nvPr/>
-      </p:nvGrpSpPr>
-      <p:grpSpPr>
-        <a:xfrm>
-          <a:off x="0" y="0"/>
-          <a:ext cx="0" cy="0"/>
-          <a:chOff x="0" y="0"/>
-          <a:chExt cx="0" cy="0"/>
-        </a:xfrm>
-      </p:grpSpPr>
-      <p:sp>
-        <p:nvSpPr>
-          <p:cNvPr id="2" name="Title 1"/>
-          <p:cNvSpPr>
-            <a:spLocks noGrp="1"/>
-          </p:cNvSpPr>
-          <p:nvPr>
-            <p:ph type="title"/>
-          </p:nvPr>
-        </p:nvSpPr>
-        <p:spPr/>
-        <p:txBody>
-          <a:bodyPr/>
-          <a:lstStyle/>
-          <a:p>
-            <a:r>
-              <a:rPr lang="en-US" dirty="0" smtClean="0"/>
-              <a:t>And what else can it do!?</a:t>
-            </a:r>
-            <a:endParaRPr lang="en-US" dirty="0"/>
-          </a:p>
-        </p:txBody>
-      </p:sp>
-      <p:pic>
-        <p:nvPicPr>
-          <p:cNvPr id="4" name="Content Placeholder 3" descr="botanicals.jpg"/>
-          <p:cNvPicPr>
-            <a:picLocks noGrp="1" noChangeAspect="1"/>
-          </p:cNvPicPr>
-          <p:nvPr>
-            <p:ph idx="1"/>
-          </p:nvPr>
-        </p:nvPicPr>
-        <p:blipFill>
-          <a:blip r:embed="rId2">
-            <a:extLst>
-              <a:ext uri="{28A0092B-C50C-407E-A947-70E740481C1C}">
-                <a14:useLocalDpi xmlns:a14="http://schemas.microsoft.com/office/drawing/2010/main" val="0"/>
-              </a:ext>
-            </a:extLst>
-          </a:blip>
-          <a:srcRect l="-20611" r="-20611"/>
-          <a:stretch>
-            <a:fillRect/>
-          </a:stretch>
-        </p:blipFill>
-        <p:spPr/>
-      </p:pic>
-    </p:spTree>
-    <p:extLst>
-      <p:ext uri="{BB962C8B-B14F-4D97-AF65-F5344CB8AC3E}">
-        <p14:creationId xmlns:p14="http://schemas.microsoft.com/office/powerpoint/2010/main" val="2886304607"/>
-      </p:ext>
-    </p:extLst>
-  </p:cSld>
-  <p:clrMapOvr>
-    <a:masterClrMapping/>
-  </p:clrMapOvr>
-</p:sld>
-</file>
-
 <file path=ppt/slides/slide9.xml><?xml version="1.0" encoding="utf-8"?>
 <p:sld xmlns:a="http://schemas.openxmlformats.org/drawingml/2006/main" xmlns:r="http://schemas.openxmlformats.org/officeDocument/2006/relationships" xmlns:p="http://schemas.openxmlformats.org/presentationml/2006/main">
   <p:cSld>
@@ -4974,7 +5107,7 @@
           <a:p>
             <a:r>
               <a:rPr lang="en-US" dirty="0" smtClean="0"/>
-              <a:t>WTH!!!</a:t>
+              <a:t>And what else can it do!?</a:t>
             </a:r>
             <a:endParaRPr lang="en-US" dirty="0"/>
           </a:p>
@@ -4982,7 +5115,7 @@
       </p:sp>
       <p:pic>
         <p:nvPicPr>
-          <p:cNvPr id="4" name="Content Placeholder 3" descr="4162130652_194d5fa999_m.jpg"/>
+          <p:cNvPr id="4" name="Content Placeholder 3" descr="botanicals.jpg"/>
           <p:cNvPicPr>
             <a:picLocks noGrp="1" noChangeAspect="1"/>
           </p:cNvPicPr>
@@ -4998,7 +5131,7 @@
               </a:ext>
             </a:extLst>
           </a:blip>
-          <a:srcRect l="-10610" r="-10610"/>
+          <a:srcRect l="-20611" r="-20611"/>
           <a:stretch>
             <a:fillRect/>
           </a:stretch>
@@ -5008,7 +5141,7 @@
     </p:spTree>
     <p:extLst>
       <p:ext uri="{BB962C8B-B14F-4D97-AF65-F5344CB8AC3E}">
-        <p14:creationId xmlns:p14="http://schemas.microsoft.com/office/powerpoint/2010/main" val="2806090275"/>
+        <p14:creationId xmlns:p14="http://schemas.microsoft.com/office/powerpoint/2010/main" val="2886304607"/>
       </p:ext>
     </p:extLst>
   </p:cSld>

--- a/Presentation.pptx
+++ b/Presentation.pptx
@@ -6,26 +6,25 @@
   </p:sldMasterIdLst>
   <p:sldIdLst>
     <p:sldId id="256" r:id="rId2"/>
-    <p:sldId id="278" r:id="rId3"/>
-    <p:sldId id="270" r:id="rId4"/>
-    <p:sldId id="269" r:id="rId5"/>
-    <p:sldId id="257" r:id="rId6"/>
-    <p:sldId id="276" r:id="rId7"/>
-    <p:sldId id="258" r:id="rId8"/>
-    <p:sldId id="262" r:id="rId9"/>
-    <p:sldId id="271" r:id="rId10"/>
-    <p:sldId id="272" r:id="rId11"/>
-    <p:sldId id="259" r:id="rId12"/>
-    <p:sldId id="261" r:id="rId13"/>
-    <p:sldId id="263" r:id="rId14"/>
-    <p:sldId id="265" r:id="rId15"/>
-    <p:sldId id="264" r:id="rId16"/>
-    <p:sldId id="266" r:id="rId17"/>
-    <p:sldId id="277" r:id="rId18"/>
-    <p:sldId id="268" r:id="rId19"/>
-    <p:sldId id="273" r:id="rId20"/>
-    <p:sldId id="274" r:id="rId21"/>
-    <p:sldId id="275" r:id="rId22"/>
+    <p:sldId id="270" r:id="rId3"/>
+    <p:sldId id="269" r:id="rId4"/>
+    <p:sldId id="257" r:id="rId5"/>
+    <p:sldId id="276" r:id="rId6"/>
+    <p:sldId id="258" r:id="rId7"/>
+    <p:sldId id="262" r:id="rId8"/>
+    <p:sldId id="271" r:id="rId9"/>
+    <p:sldId id="272" r:id="rId10"/>
+    <p:sldId id="259" r:id="rId11"/>
+    <p:sldId id="261" r:id="rId12"/>
+    <p:sldId id="263" r:id="rId13"/>
+    <p:sldId id="265" r:id="rId14"/>
+    <p:sldId id="264" r:id="rId15"/>
+    <p:sldId id="266" r:id="rId16"/>
+    <p:sldId id="277" r:id="rId17"/>
+    <p:sldId id="268" r:id="rId18"/>
+    <p:sldId id="273" r:id="rId19"/>
+    <p:sldId id="274" r:id="rId20"/>
+    <p:sldId id="275" r:id="rId21"/>
   </p:sldIdLst>
   <p:sldSz cx="9144000" cy="6858000" type="screen4x3"/>
   <p:notesSz cx="6858000" cy="9144000"/>
@@ -3127,7 +3126,7 @@
         </p:nvSpPr>
         <p:spPr>
           <a:xfrm>
-            <a:off x="685800" y="995587"/>
+            <a:off x="685800" y="157968"/>
             <a:ext cx="7772400" cy="1470025"/>
           </a:xfrm>
         </p:spPr>
@@ -3165,7 +3164,7 @@
         </p:blipFill>
         <p:spPr>
           <a:xfrm>
-            <a:off x="2638875" y="2665033"/>
+            <a:off x="2638875" y="1489666"/>
             <a:ext cx="3810281" cy="2593108"/>
           </a:xfrm>
           <a:prstGeom prst="rect">
@@ -3173,6 +3172,49 @@
           </a:prstGeom>
         </p:spPr>
       </p:pic>
+      <p:sp>
+        <p:nvSpPr>
+          <p:cNvPr id="3" name="TextBox 2"/>
+          <p:cNvSpPr txBox="1"/>
+          <p:nvPr/>
+        </p:nvSpPr>
+        <p:spPr>
+          <a:xfrm>
+            <a:off x="2638875" y="4687961"/>
+            <a:ext cx="3810281" cy="1200328"/>
+          </a:xfrm>
+          <a:prstGeom prst="rect">
+            <a:avLst/>
+          </a:prstGeom>
+          <a:noFill/>
+        </p:spPr>
+        <p:txBody>
+          <a:bodyPr wrap="square" rtlCol="0">
+            <a:spAutoFit/>
+          </a:bodyPr>
+          <a:lstStyle/>
+          <a:p>
+            <a:r>
+              <a:rPr lang="en-US" sz="2400" dirty="0" smtClean="0"/>
+              <a:t>@prakashwagle89</a:t>
+            </a:r>
+          </a:p>
+          <a:p>
+            <a:endParaRPr lang="en-US" sz="2400" dirty="0"/>
+          </a:p>
+          <a:p>
+            <a:r>
+              <a:rPr lang="en-US" sz="2400" dirty="0" smtClean="0"/>
+              <a:t>@</a:t>
+            </a:r>
+            <a:r>
+              <a:rPr lang="en-US" sz="2400" dirty="0" err="1" smtClean="0"/>
+              <a:t>siddhartha_b</a:t>
+            </a:r>
+            <a:endParaRPr lang="en-US" sz="2400" dirty="0"/>
+          </a:p>
+        </p:txBody>
+      </p:sp>
     </p:spTree>
     <p:extLst>
       <p:ext uri="{BB962C8B-B14F-4D97-AF65-F5344CB8AC3E}">
@@ -3187,84 +3229,6 @@
 </file>
 
 <file path=ppt/slides/slide10.xml><?xml version="1.0" encoding="utf-8"?>
-<p:sld xmlns:a="http://schemas.openxmlformats.org/drawingml/2006/main" xmlns:r="http://schemas.openxmlformats.org/officeDocument/2006/relationships" xmlns:p="http://schemas.openxmlformats.org/presentationml/2006/main">
-  <p:cSld>
-    <p:spTree>
-      <p:nvGrpSpPr>
-        <p:cNvPr id="1" name=""/>
-        <p:cNvGrpSpPr/>
-        <p:nvPr/>
-      </p:nvGrpSpPr>
-      <p:grpSpPr>
-        <a:xfrm>
-          <a:off x="0" y="0"/>
-          <a:ext cx="0" cy="0"/>
-          <a:chOff x="0" y="0"/>
-          <a:chExt cx="0" cy="0"/>
-        </a:xfrm>
-      </p:grpSpPr>
-      <p:sp>
-        <p:nvSpPr>
-          <p:cNvPr id="2" name="Title 1"/>
-          <p:cNvSpPr>
-            <a:spLocks noGrp="1"/>
-          </p:cNvSpPr>
-          <p:nvPr>
-            <p:ph type="title"/>
-          </p:nvPr>
-        </p:nvSpPr>
-        <p:spPr/>
-        <p:txBody>
-          <a:bodyPr/>
-          <a:lstStyle/>
-          <a:p>
-            <a:r>
-              <a:rPr lang="en-US" dirty="0" smtClean="0"/>
-              <a:t>WTH!!!</a:t>
-            </a:r>
-            <a:endParaRPr lang="en-US" dirty="0"/>
-          </a:p>
-        </p:txBody>
-      </p:sp>
-      <p:pic>
-        <p:nvPicPr>
-          <p:cNvPr id="4" name="Content Placeholder 3" descr="4162130652_194d5fa999_m.jpg"/>
-          <p:cNvPicPr>
-            <a:picLocks noGrp="1" noChangeAspect="1"/>
-          </p:cNvPicPr>
-          <p:nvPr>
-            <p:ph idx="1"/>
-          </p:nvPr>
-        </p:nvPicPr>
-        <p:blipFill>
-          <a:blip r:embed="rId2">
-            <a:extLst>
-              <a:ext uri="{28A0092B-C50C-407E-A947-70E740481C1C}">
-                <a14:useLocalDpi xmlns:a14="http://schemas.microsoft.com/office/drawing/2010/main" val="0"/>
-              </a:ext>
-            </a:extLst>
-          </a:blip>
-          <a:srcRect l="-10610" r="-10610"/>
-          <a:stretch>
-            <a:fillRect/>
-          </a:stretch>
-        </p:blipFill>
-        <p:spPr/>
-      </p:pic>
-    </p:spTree>
-    <p:extLst>
-      <p:ext uri="{BB962C8B-B14F-4D97-AF65-F5344CB8AC3E}">
-        <p14:creationId xmlns:p14="http://schemas.microsoft.com/office/powerpoint/2010/main" val="2806090275"/>
-      </p:ext>
-    </p:extLst>
-  </p:cSld>
-  <p:clrMapOvr>
-    <a:masterClrMapping/>
-  </p:clrMapOvr>
-</p:sld>
-</file>
-
-<file path=ppt/slides/slide11.xml><?xml version="1.0" encoding="utf-8"?>
 <p:sld xmlns:a="http://schemas.openxmlformats.org/drawingml/2006/main" xmlns:r="http://schemas.openxmlformats.org/officeDocument/2006/relationships" xmlns:p="http://schemas.openxmlformats.org/presentationml/2006/main">
   <p:cSld>
     <p:spTree>
@@ -3331,7 +3295,7 @@
 </p:sld>
 </file>
 
-<file path=ppt/slides/slide12.xml><?xml version="1.0" encoding="utf-8"?>
+<file path=ppt/slides/slide11.xml><?xml version="1.0" encoding="utf-8"?>
 <p:sld xmlns:a="http://schemas.openxmlformats.org/drawingml/2006/main" xmlns:r="http://schemas.openxmlformats.org/officeDocument/2006/relationships" xmlns:p="http://schemas.openxmlformats.org/presentationml/2006/main">
   <p:cSld>
     <p:spTree>
@@ -3414,13 +3378,7 @@
               <a:rPr lang="en-US" dirty="0" smtClean="0">
                 <a:hlinkClick r:id="rId2"/>
               </a:rPr>
-              <a:t>LED </a:t>
-            </a:r>
-            <a:r>
-              <a:rPr lang="en-US" dirty="0" smtClean="0">
-                <a:hlinkClick r:id="rId2"/>
-              </a:rPr>
-              <a:t>Blink</a:t>
+              <a:t>LED Blink</a:t>
             </a:r>
             <a:endParaRPr lang="en-US" dirty="0" smtClean="0"/>
           </a:p>
@@ -3479,7 +3437,7 @@
 </p:sld>
 </file>
 
-<file path=ppt/slides/slide13.xml><?xml version="1.0" encoding="utf-8"?>
+<file path=ppt/slides/slide12.xml><?xml version="1.0" encoding="utf-8"?>
 <p:sld xmlns:a="http://schemas.openxmlformats.org/drawingml/2006/main" xmlns:r="http://schemas.openxmlformats.org/officeDocument/2006/relationships" xmlns:p="http://schemas.openxmlformats.org/presentationml/2006/main">
   <p:cSld>
     <p:spTree>
@@ -3569,7 +3527,7 @@
 </p:sld>
 </file>
 
-<file path=ppt/slides/slide14.xml><?xml version="1.0" encoding="utf-8"?>
+<file path=ppt/slides/slide13.xml><?xml version="1.0" encoding="utf-8"?>
 <p:sld xmlns:a="http://schemas.openxmlformats.org/drawingml/2006/main" xmlns:r="http://schemas.openxmlformats.org/officeDocument/2006/relationships" xmlns:p="http://schemas.openxmlformats.org/presentationml/2006/main">
   <p:cSld>
     <p:spTree>
@@ -3603,11 +3561,7 @@
           <a:p>
             <a:r>
               <a:rPr lang="en-US" dirty="0" smtClean="0"/>
-              <a:t>Hands on </a:t>
-            </a:r>
-            <a:r>
-              <a:rPr lang="en-US" dirty="0" smtClean="0"/>
-              <a:t>II</a:t>
+              <a:t>Hands on II</a:t>
             </a:r>
             <a:endParaRPr lang="en-US" dirty="0"/>
           </a:p>
@@ -3684,7 +3638,7 @@
 </p:sld>
 </file>
 
-<file path=ppt/slides/slide15.xml><?xml version="1.0" encoding="utf-8"?>
+<file path=ppt/slides/slide14.xml><?xml version="1.0" encoding="utf-8"?>
 <p:sld xmlns:a="http://schemas.openxmlformats.org/drawingml/2006/main" xmlns:r="http://schemas.openxmlformats.org/officeDocument/2006/relationships" xmlns:p="http://schemas.openxmlformats.org/presentationml/2006/main">
   <p:cSld>
     <p:spTree>
@@ -3718,11 +3672,7 @@
           <a:p>
             <a:r>
               <a:rPr lang="en-US" dirty="0" smtClean="0"/>
-              <a:t>Hands On </a:t>
-            </a:r>
-            <a:r>
-              <a:rPr lang="en-US" dirty="0" smtClean="0"/>
-              <a:t>III</a:t>
+              <a:t>Hands On III</a:t>
             </a:r>
             <a:endParaRPr lang="en-US" dirty="0"/>
           </a:p>
@@ -3750,13 +3700,7 @@
               <a:rPr lang="en-US" dirty="0" smtClean="0">
                 <a:hlinkClick r:id="rId2"/>
               </a:rPr>
-              <a:t>LCD </a:t>
-            </a:r>
-            <a:r>
-              <a:rPr lang="en-US" dirty="0" smtClean="0">
-                <a:hlinkClick r:id="rId2"/>
-              </a:rPr>
-              <a:t>Interfacing</a:t>
+              <a:t>LCD Interfacing</a:t>
             </a:r>
             <a:endParaRPr lang="en-US" dirty="0" smtClean="0"/>
           </a:p>
@@ -3821,7 +3765,7 @@
 </p:sld>
 </file>
 
-<file path=ppt/slides/slide16.xml><?xml version="1.0" encoding="utf-8"?>
+<file path=ppt/slides/slide15.xml><?xml version="1.0" encoding="utf-8"?>
 <p:sld xmlns:a="http://schemas.openxmlformats.org/drawingml/2006/main" xmlns:r="http://schemas.openxmlformats.org/officeDocument/2006/relationships" xmlns:p="http://schemas.openxmlformats.org/presentationml/2006/main">
   <p:cSld>
     <p:spTree>
@@ -3891,13 +3835,7 @@
               <a:rPr lang="en-US" dirty="0" smtClean="0">
                 <a:hlinkClick r:id="rId2"/>
               </a:rPr>
-              <a:t>TIC </a:t>
-            </a:r>
-            <a:r>
-              <a:rPr lang="en-US" dirty="0" smtClean="0">
-                <a:hlinkClick r:id="rId2"/>
-              </a:rPr>
-              <a:t>– TAC – TOE!</a:t>
+              <a:t>TIC – TAC – TOE!</a:t>
             </a:r>
             <a:endParaRPr lang="en-US" dirty="0" smtClean="0"/>
           </a:p>
@@ -3952,7 +3890,7 @@
 </p:sld>
 </file>
 
-<file path=ppt/slides/slide17.xml><?xml version="1.0" encoding="utf-8"?>
+<file path=ppt/slides/slide16.xml><?xml version="1.0" encoding="utf-8"?>
 <p:sld xmlns:a="http://schemas.openxmlformats.org/drawingml/2006/main" xmlns:r="http://schemas.openxmlformats.org/officeDocument/2006/relationships" xmlns:p="http://schemas.openxmlformats.org/presentationml/2006/main">
   <p:cSld>
     <p:spTree>
@@ -4066,7 +4004,7 @@
 </p:sld>
 </file>
 
-<file path=ppt/slides/slide18.xml><?xml version="1.0" encoding="utf-8"?>
+<file path=ppt/slides/slide17.xml><?xml version="1.0" encoding="utf-8"?>
 <p:sld xmlns:a="http://schemas.openxmlformats.org/drawingml/2006/main" xmlns:r="http://schemas.openxmlformats.org/officeDocument/2006/relationships" xmlns:p="http://schemas.openxmlformats.org/presentationml/2006/main">
   <p:cSld>
     <p:spTree>
@@ -4126,7 +4064,7 @@
 </p:sld>
 </file>
 
-<file path=ppt/slides/slide19.xml><?xml version="1.0" encoding="utf-8"?>
+<file path=ppt/slides/slide18.xml><?xml version="1.0" encoding="utf-8"?>
 <p:sld xmlns:a="http://schemas.openxmlformats.org/drawingml/2006/main" xmlns:r="http://schemas.openxmlformats.org/officeDocument/2006/relationships" xmlns:p="http://schemas.openxmlformats.org/presentationml/2006/main">
   <p:cSld>
     <p:spTree>
@@ -4186,6 +4124,124 @@
 </p:sld>
 </file>
 
+<file path=ppt/slides/slide19.xml><?xml version="1.0" encoding="utf-8"?>
+<p:sld xmlns:a="http://schemas.openxmlformats.org/drawingml/2006/main" xmlns:r="http://schemas.openxmlformats.org/officeDocument/2006/relationships" xmlns:p="http://schemas.openxmlformats.org/presentationml/2006/main">
+  <p:cSld>
+    <p:spTree>
+      <p:nvGrpSpPr>
+        <p:cNvPr id="1" name=""/>
+        <p:cNvGrpSpPr/>
+        <p:nvPr/>
+      </p:nvGrpSpPr>
+      <p:grpSpPr>
+        <a:xfrm>
+          <a:off x="0" y="0"/>
+          <a:ext cx="0" cy="0"/>
+          <a:chOff x="0" y="0"/>
+          <a:chExt cx="0" cy="0"/>
+        </a:xfrm>
+      </p:grpSpPr>
+      <p:sp>
+        <p:nvSpPr>
+          <p:cNvPr id="2" name="Title 1"/>
+          <p:cNvSpPr>
+            <a:spLocks noGrp="1"/>
+          </p:cNvSpPr>
+          <p:nvPr>
+            <p:ph type="title"/>
+          </p:nvPr>
+        </p:nvSpPr>
+        <p:spPr/>
+        <p:txBody>
+          <a:bodyPr/>
+          <a:lstStyle/>
+          <a:p>
+            <a:r>
+              <a:rPr lang="en-US" dirty="0" smtClean="0"/>
+              <a:t>IOT Pune</a:t>
+            </a:r>
+            <a:endParaRPr lang="en-US" dirty="0"/>
+          </a:p>
+        </p:txBody>
+      </p:sp>
+      <p:sp>
+        <p:nvSpPr>
+          <p:cNvPr id="3" name="Content Placeholder 2"/>
+          <p:cNvSpPr>
+            <a:spLocks noGrp="1"/>
+          </p:cNvSpPr>
+          <p:nvPr>
+            <p:ph idx="1"/>
+          </p:nvPr>
+        </p:nvSpPr>
+        <p:spPr/>
+        <p:txBody>
+          <a:bodyPr/>
+          <a:lstStyle/>
+          <a:p>
+            <a:r>
+              <a:rPr lang="en-US" dirty="0" smtClean="0"/>
+              <a:t>Google Groups – internet-of-things-</a:t>
+            </a:r>
+            <a:r>
+              <a:rPr lang="en-US" dirty="0" err="1" smtClean="0"/>
+              <a:t>pune</a:t>
+            </a:r>
+            <a:endParaRPr lang="en-US" dirty="0" smtClean="0"/>
+          </a:p>
+          <a:p>
+            <a:endParaRPr lang="en-US" dirty="0" smtClean="0"/>
+          </a:p>
+          <a:p>
+            <a:r>
+              <a:rPr lang="en-US" dirty="0" err="1" smtClean="0"/>
+              <a:t>Meetup.com</a:t>
+            </a:r>
+            <a:r>
+              <a:rPr lang="en-US" dirty="0"/>
+              <a:t> </a:t>
+            </a:r>
+            <a:r>
+              <a:rPr lang="en-US" dirty="0" smtClean="0"/>
+              <a:t>–</a:t>
+            </a:r>
+          </a:p>
+          <a:p>
+            <a:pPr marL="0" indent="0">
+              <a:buNone/>
+            </a:pPr>
+            <a:r>
+              <a:rPr lang="en-US" dirty="0" smtClean="0"/>
+              <a:t> </a:t>
+            </a:r>
+            <a:r>
+              <a:rPr lang="en-US" dirty="0"/>
+              <a:t>http://</a:t>
+            </a:r>
+            <a:r>
+              <a:rPr lang="en-US" dirty="0" err="1"/>
+              <a:t>www.meetup.com</a:t>
+            </a:r>
+            <a:r>
+              <a:rPr lang="en-US" dirty="0"/>
+              <a:t>/The-Internet-of-Things</a:t>
+            </a:r>
+          </a:p>
+        </p:txBody>
+      </p:sp>
+    </p:spTree>
+    <p:extLst>
+      <p:ext uri="{BB962C8B-B14F-4D97-AF65-F5344CB8AC3E}">
+        <p14:creationId xmlns:p14="http://schemas.microsoft.com/office/powerpoint/2010/main" val="1774221244"/>
+      </p:ext>
+    </p:extLst>
+  </p:cSld>
+  <p:clrMapOvr>
+    <a:masterClrMapping/>
+  </p:clrMapOvr>
+</p:sld>
+</file>
+
 <file path=ppt/slides/slide2.xml><?xml version="1.0" encoding="utf-8"?>
 <p:sld xmlns:a="http://schemas.openxmlformats.org/drawingml/2006/main" xmlns:r="http://schemas.openxmlformats.org/officeDocument/2006/relationships" xmlns:p="http://schemas.openxmlformats.org/presentationml/2006/main">
   <p:cSld>
@@ -4205,6 +4261,29 @@
       </p:grpSpPr>
       <p:sp>
         <p:nvSpPr>
+          <p:cNvPr id="2" name="Title 1"/>
+          <p:cNvSpPr>
+            <a:spLocks noGrp="1"/>
+          </p:cNvSpPr>
+          <p:nvPr>
+            <p:ph type="title"/>
+          </p:nvPr>
+        </p:nvSpPr>
+        <p:spPr/>
+        <p:txBody>
+          <a:bodyPr/>
+          <a:lstStyle/>
+          <a:p>
+            <a:r>
+              <a:rPr lang="en-US" dirty="0" smtClean="0"/>
+              <a:t>Setup</a:t>
+            </a:r>
+            <a:endParaRPr lang="en-US" dirty="0"/>
+          </a:p>
+        </p:txBody>
+      </p:sp>
+      <p:sp>
+        <p:nvSpPr>
           <p:cNvPr id="3" name="Content Placeholder 2"/>
           <p:cNvSpPr>
             <a:spLocks noGrp="1"/>
@@ -4218,97 +4297,26 @@
           <a:bodyPr/>
           <a:lstStyle/>
           <a:p>
-            <a:endParaRPr lang="en-US" dirty="0" smtClean="0"/>
-          </a:p>
-          <a:p>
-            <a:endParaRPr lang="en-US" dirty="0" smtClean="0"/>
+            <a:r>
+              <a:rPr lang="en-US" dirty="0" smtClean="0"/>
+              <a:t>Arduino IDE for Mac OSX, Linux &amp; Windows!</a:t>
+            </a:r>
           </a:p>
           <a:p>
             <a:endParaRPr lang="en-US" dirty="0"/>
           </a:p>
           <a:p>
-            <a:endParaRPr lang="en-US" dirty="0" smtClean="0"/>
-          </a:p>
-          <a:p>
-            <a:r>
-              <a:rPr lang="en-US" dirty="0" err="1" smtClean="0"/>
-              <a:t>Prakash</a:t>
-            </a:r>
             <a:r>
               <a:rPr lang="en-US" dirty="0" smtClean="0"/>
-              <a:t> </a:t>
-            </a:r>
-            <a:r>
-              <a:rPr lang="en-US" dirty="0" err="1" smtClean="0"/>
-              <a:t>Wagle</a:t>
-            </a:r>
-            <a:r>
-              <a:rPr lang="en-US" dirty="0" smtClean="0"/>
-              <a:t>     @prakashwagle89</a:t>
-            </a:r>
-          </a:p>
-          <a:p>
-            <a:endParaRPr lang="en-US" dirty="0"/>
-          </a:p>
-          <a:p>
-            <a:r>
-              <a:rPr lang="en-US" dirty="0" err="1" smtClean="0"/>
-              <a:t>Siddharth</a:t>
-            </a:r>
-            <a:r>
-              <a:rPr lang="en-US" dirty="0" smtClean="0"/>
-              <a:t> </a:t>
-            </a:r>
-            <a:r>
-              <a:rPr lang="en-US" dirty="0" err="1" smtClean="0"/>
-              <a:t>Bhagwan</a:t>
-            </a:r>
-            <a:r>
-              <a:rPr lang="en-US" dirty="0" smtClean="0"/>
-              <a:t>     @</a:t>
-            </a:r>
-            <a:r>
-              <a:rPr lang="en-US" dirty="0" err="1" smtClean="0"/>
-              <a:t>siddhartha_b</a:t>
-            </a:r>
-            <a:endParaRPr lang="en-US" dirty="0" smtClean="0"/>
-          </a:p>
-        </p:txBody>
-      </p:sp>
-      <p:pic>
-        <p:nvPicPr>
-          <p:cNvPr id="4" name="Picture 3" descr="arduino-icon-small.png"/>
-          <p:cNvPicPr>
-            <a:picLocks noChangeAspect="1"/>
-          </p:cNvPicPr>
-          <p:nvPr/>
-        </p:nvPicPr>
-        <p:blipFill>
-          <a:blip r:embed="rId2">
-            <a:extLst>
-              <a:ext uri="{28A0092B-C50C-407E-A947-70E740481C1C}">
-                <a14:useLocalDpi xmlns:a14="http://schemas.microsoft.com/office/drawing/2010/main" val="0"/>
-              </a:ext>
-            </a:extLst>
-          </a:blip>
-          <a:stretch>
-            <a:fillRect/>
-          </a:stretch>
-        </p:blipFill>
-        <p:spPr>
-          <a:xfrm>
-            <a:off x="2946400" y="153524"/>
-            <a:ext cx="3251200" cy="3251200"/>
-          </a:xfrm>
-          <a:prstGeom prst="rect">
-            <a:avLst/>
-          </a:prstGeom>
-        </p:spPr>
-      </p:pic>
+              <a:t>FTDI Drivers for MAC OSX, Linux, Windows!</a:t>
+            </a:r>
+          </a:p>
+        </p:txBody>
+      </p:sp>
     </p:spTree>
     <p:extLst>
       <p:ext uri="{BB962C8B-B14F-4D97-AF65-F5344CB8AC3E}">
-        <p14:creationId xmlns:p14="http://schemas.microsoft.com/office/powerpoint/2010/main" val="1073862803"/>
+        <p14:creationId xmlns:p14="http://schemas.microsoft.com/office/powerpoint/2010/main" val="1286209870"/>
       </p:ext>
     </p:extLst>
   </p:cSld>
@@ -4319,124 +4327,6 @@
 </file>
 
 <file path=ppt/slides/slide20.xml><?xml version="1.0" encoding="utf-8"?>
-<p:sld xmlns:a="http://schemas.openxmlformats.org/drawingml/2006/main" xmlns:r="http://schemas.openxmlformats.org/officeDocument/2006/relationships" xmlns:p="http://schemas.openxmlformats.org/presentationml/2006/main">
-  <p:cSld>
-    <p:spTree>
-      <p:nvGrpSpPr>
-        <p:cNvPr id="1" name=""/>
-        <p:cNvGrpSpPr/>
-        <p:nvPr/>
-      </p:nvGrpSpPr>
-      <p:grpSpPr>
-        <a:xfrm>
-          <a:off x="0" y="0"/>
-          <a:ext cx="0" cy="0"/>
-          <a:chOff x="0" y="0"/>
-          <a:chExt cx="0" cy="0"/>
-        </a:xfrm>
-      </p:grpSpPr>
-      <p:sp>
-        <p:nvSpPr>
-          <p:cNvPr id="2" name="Title 1"/>
-          <p:cNvSpPr>
-            <a:spLocks noGrp="1"/>
-          </p:cNvSpPr>
-          <p:nvPr>
-            <p:ph type="title"/>
-          </p:nvPr>
-        </p:nvSpPr>
-        <p:spPr/>
-        <p:txBody>
-          <a:bodyPr/>
-          <a:lstStyle/>
-          <a:p>
-            <a:r>
-              <a:rPr lang="en-US" dirty="0" smtClean="0"/>
-              <a:t>IOT Pune</a:t>
-            </a:r>
-            <a:endParaRPr lang="en-US" dirty="0"/>
-          </a:p>
-        </p:txBody>
-      </p:sp>
-      <p:sp>
-        <p:nvSpPr>
-          <p:cNvPr id="3" name="Content Placeholder 2"/>
-          <p:cNvSpPr>
-            <a:spLocks noGrp="1"/>
-          </p:cNvSpPr>
-          <p:nvPr>
-            <p:ph idx="1"/>
-          </p:nvPr>
-        </p:nvSpPr>
-        <p:spPr/>
-        <p:txBody>
-          <a:bodyPr/>
-          <a:lstStyle/>
-          <a:p>
-            <a:r>
-              <a:rPr lang="en-US" dirty="0" smtClean="0"/>
-              <a:t>Google Groups – internet-of-things-</a:t>
-            </a:r>
-            <a:r>
-              <a:rPr lang="en-US" dirty="0" err="1" smtClean="0"/>
-              <a:t>pune</a:t>
-            </a:r>
-            <a:endParaRPr lang="en-US" dirty="0" smtClean="0"/>
-          </a:p>
-          <a:p>
-            <a:endParaRPr lang="en-US" dirty="0" smtClean="0"/>
-          </a:p>
-          <a:p>
-            <a:r>
-              <a:rPr lang="en-US" dirty="0" err="1" smtClean="0"/>
-              <a:t>Meetup.com</a:t>
-            </a:r>
-            <a:r>
-              <a:rPr lang="en-US" dirty="0"/>
-              <a:t> </a:t>
-            </a:r>
-            <a:r>
-              <a:rPr lang="en-US" dirty="0" smtClean="0"/>
-              <a:t>–</a:t>
-            </a:r>
-          </a:p>
-          <a:p>
-            <a:pPr marL="0" indent="0">
-              <a:buNone/>
-            </a:pPr>
-            <a:r>
-              <a:rPr lang="en-US" dirty="0" smtClean="0"/>
-              <a:t> </a:t>
-            </a:r>
-            <a:r>
-              <a:rPr lang="en-US" dirty="0"/>
-              <a:t>http://</a:t>
-            </a:r>
-            <a:r>
-              <a:rPr lang="en-US" dirty="0" err="1"/>
-              <a:t>www.meetup.com</a:t>
-            </a:r>
-            <a:r>
-              <a:rPr lang="en-US" dirty="0"/>
-              <a:t>/The-Internet-of-Things</a:t>
-            </a:r>
-          </a:p>
-        </p:txBody>
-      </p:sp>
-    </p:spTree>
-    <p:extLst>
-      <p:ext uri="{BB962C8B-B14F-4D97-AF65-F5344CB8AC3E}">
-        <p14:creationId xmlns:p14="http://schemas.microsoft.com/office/powerpoint/2010/main" val="1774221244"/>
-      </p:ext>
-    </p:extLst>
-  </p:cSld>
-  <p:clrMapOvr>
-    <a:masterClrMapping/>
-  </p:clrMapOvr>
-</p:sld>
-</file>
-
-<file path=ppt/slides/slide21.xml><?xml version="1.0" encoding="utf-8"?>
 <p:sld xmlns:a="http://schemas.openxmlformats.org/drawingml/2006/main" xmlns:r="http://schemas.openxmlformats.org/officeDocument/2006/relationships" xmlns:p="http://schemas.openxmlformats.org/presentationml/2006/main">
   <p:cSld>
     <p:spTree>
@@ -4619,90 +4509,6 @@
           <a:lstStyle/>
           <a:p>
             <a:r>
-              <a:rPr lang="en-US" dirty="0" smtClean="0"/>
-              <a:t>Setup</a:t>
-            </a:r>
-            <a:endParaRPr lang="en-US" dirty="0"/>
-          </a:p>
-        </p:txBody>
-      </p:sp>
-      <p:sp>
-        <p:nvSpPr>
-          <p:cNvPr id="3" name="Content Placeholder 2"/>
-          <p:cNvSpPr>
-            <a:spLocks noGrp="1"/>
-          </p:cNvSpPr>
-          <p:nvPr>
-            <p:ph idx="1"/>
-          </p:nvPr>
-        </p:nvSpPr>
-        <p:spPr/>
-        <p:txBody>
-          <a:bodyPr/>
-          <a:lstStyle/>
-          <a:p>
-            <a:r>
-              <a:rPr lang="en-US" dirty="0" smtClean="0"/>
-              <a:t>Arduino IDE for Mac OSX, Linux &amp; Windows!</a:t>
-            </a:r>
-          </a:p>
-          <a:p>
-            <a:endParaRPr lang="en-US" dirty="0"/>
-          </a:p>
-          <a:p>
-            <a:r>
-              <a:rPr lang="en-US" dirty="0" smtClean="0"/>
-              <a:t>FTDI Drivers for MAC OSX, Linux, Windows!</a:t>
-            </a:r>
-          </a:p>
-        </p:txBody>
-      </p:sp>
-    </p:spTree>
-    <p:extLst>
-      <p:ext uri="{BB962C8B-B14F-4D97-AF65-F5344CB8AC3E}">
-        <p14:creationId xmlns:p14="http://schemas.microsoft.com/office/powerpoint/2010/main" val="1286209870"/>
-      </p:ext>
-    </p:extLst>
-  </p:cSld>
-  <p:clrMapOvr>
-    <a:masterClrMapping/>
-  </p:clrMapOvr>
-</p:sld>
-</file>
-
-<file path=ppt/slides/slide4.xml><?xml version="1.0" encoding="utf-8"?>
-<p:sld xmlns:a="http://schemas.openxmlformats.org/drawingml/2006/main" xmlns:r="http://schemas.openxmlformats.org/officeDocument/2006/relationships" xmlns:p="http://schemas.openxmlformats.org/presentationml/2006/main">
-  <p:cSld>
-    <p:spTree>
-      <p:nvGrpSpPr>
-        <p:cNvPr id="1" name=""/>
-        <p:cNvGrpSpPr/>
-        <p:nvPr/>
-      </p:nvGrpSpPr>
-      <p:grpSpPr>
-        <a:xfrm>
-          <a:off x="0" y="0"/>
-          <a:ext cx="0" cy="0"/>
-          <a:chOff x="0" y="0"/>
-          <a:chExt cx="0" cy="0"/>
-        </a:xfrm>
-      </p:grpSpPr>
-      <p:sp>
-        <p:nvSpPr>
-          <p:cNvPr id="2" name="Title 1"/>
-          <p:cNvSpPr>
-            <a:spLocks noGrp="1"/>
-          </p:cNvSpPr>
-          <p:nvPr>
-            <p:ph type="title"/>
-          </p:nvPr>
-        </p:nvSpPr>
-        <p:spPr/>
-        <p:txBody>
-          <a:bodyPr/>
-          <a:lstStyle/>
-          <a:p>
-            <a:r>
               <a:rPr lang="en-US" dirty="0" err="1" smtClean="0"/>
               <a:t>Github</a:t>
             </a:r>
@@ -4746,7 +4552,7 @@
 </p:sld>
 </file>
 
-<file path=ppt/slides/slide5.xml><?xml version="1.0" encoding="utf-8"?>
+<file path=ppt/slides/slide4.xml><?xml version="1.0" encoding="utf-8"?>
 <p:sld xmlns:a="http://schemas.openxmlformats.org/drawingml/2006/main" xmlns:r="http://schemas.openxmlformats.org/officeDocument/2006/relationships" xmlns:p="http://schemas.openxmlformats.org/presentationml/2006/main">
   <p:cSld>
     <p:spTree>
@@ -4829,7 +4635,7 @@
 </p:sld>
 </file>
 
-<file path=ppt/slides/slide6.xml><?xml version="1.0" encoding="utf-8"?>
+<file path=ppt/slides/slide5.xml><?xml version="1.0" encoding="utf-8"?>
 <p:sld xmlns:a="http://schemas.openxmlformats.org/drawingml/2006/main" xmlns:r="http://schemas.openxmlformats.org/officeDocument/2006/relationships" xmlns:p="http://schemas.openxmlformats.org/presentationml/2006/main">
   <p:cSld>
     <p:spTree>
@@ -4907,7 +4713,7 @@
 </p:sld>
 </file>
 
-<file path=ppt/slides/slide7.xml><?xml version="1.0" encoding="utf-8"?>
+<file path=ppt/slides/slide6.xml><?xml version="1.0" encoding="utf-8"?>
 <p:sld xmlns:a="http://schemas.openxmlformats.org/drawingml/2006/main" xmlns:r="http://schemas.openxmlformats.org/officeDocument/2006/relationships" xmlns:p="http://schemas.openxmlformats.org/presentationml/2006/main">
   <p:cSld>
     <p:spTree>
@@ -4990,7 +4796,7 @@
 </p:sld>
 </file>
 
-<file path=ppt/slides/slide8.xml><?xml version="1.0" encoding="utf-8"?>
+<file path=ppt/slides/slide7.xml><?xml version="1.0" encoding="utf-8"?>
 <p:sld xmlns:a="http://schemas.openxmlformats.org/drawingml/2006/main" xmlns:r="http://schemas.openxmlformats.org/officeDocument/2006/relationships" xmlns:p="http://schemas.openxmlformats.org/presentationml/2006/main">
   <p:cSld>
     <p:spTree>
@@ -5073,6 +4879,84 @@
 </p:sld>
 </file>
 
+<file path=ppt/slides/slide8.xml><?xml version="1.0" encoding="utf-8"?>
+<p:sld xmlns:a="http://schemas.openxmlformats.org/drawingml/2006/main" xmlns:r="http://schemas.openxmlformats.org/officeDocument/2006/relationships" xmlns:p="http://schemas.openxmlformats.org/presentationml/2006/main">
+  <p:cSld>
+    <p:spTree>
+      <p:nvGrpSpPr>
+        <p:cNvPr id="1" name=""/>
+        <p:cNvGrpSpPr/>
+        <p:nvPr/>
+      </p:nvGrpSpPr>
+      <p:grpSpPr>
+        <a:xfrm>
+          <a:off x="0" y="0"/>
+          <a:ext cx="0" cy="0"/>
+          <a:chOff x="0" y="0"/>
+          <a:chExt cx="0" cy="0"/>
+        </a:xfrm>
+      </p:grpSpPr>
+      <p:sp>
+        <p:nvSpPr>
+          <p:cNvPr id="2" name="Title 1"/>
+          <p:cNvSpPr>
+            <a:spLocks noGrp="1"/>
+          </p:cNvSpPr>
+          <p:nvPr>
+            <p:ph type="title"/>
+          </p:nvPr>
+        </p:nvSpPr>
+        <p:spPr/>
+        <p:txBody>
+          <a:bodyPr/>
+          <a:lstStyle/>
+          <a:p>
+            <a:r>
+              <a:rPr lang="en-US" dirty="0" smtClean="0"/>
+              <a:t>And what else can it do!?</a:t>
+            </a:r>
+            <a:endParaRPr lang="en-US" dirty="0"/>
+          </a:p>
+        </p:txBody>
+      </p:sp>
+      <p:pic>
+        <p:nvPicPr>
+          <p:cNvPr id="4" name="Content Placeholder 3" descr="botanicals.jpg"/>
+          <p:cNvPicPr>
+            <a:picLocks noGrp="1" noChangeAspect="1"/>
+          </p:cNvPicPr>
+          <p:nvPr>
+            <p:ph idx="1"/>
+          </p:nvPr>
+        </p:nvPicPr>
+        <p:blipFill>
+          <a:blip r:embed="rId2">
+            <a:extLst>
+              <a:ext uri="{28A0092B-C50C-407E-A947-70E740481C1C}">
+                <a14:useLocalDpi xmlns:a14="http://schemas.microsoft.com/office/drawing/2010/main" val="0"/>
+              </a:ext>
+            </a:extLst>
+          </a:blip>
+          <a:srcRect l="-20611" r="-20611"/>
+          <a:stretch>
+            <a:fillRect/>
+          </a:stretch>
+        </p:blipFill>
+        <p:spPr/>
+      </p:pic>
+    </p:spTree>
+    <p:extLst>
+      <p:ext uri="{BB962C8B-B14F-4D97-AF65-F5344CB8AC3E}">
+        <p14:creationId xmlns:p14="http://schemas.microsoft.com/office/powerpoint/2010/main" val="2886304607"/>
+      </p:ext>
+    </p:extLst>
+  </p:cSld>
+  <p:clrMapOvr>
+    <a:masterClrMapping/>
+  </p:clrMapOvr>
+</p:sld>
+</file>
+
 <file path=ppt/slides/slide9.xml><?xml version="1.0" encoding="utf-8"?>
 <p:sld xmlns:a="http://schemas.openxmlformats.org/drawingml/2006/main" xmlns:r="http://schemas.openxmlformats.org/officeDocument/2006/relationships" xmlns:p="http://schemas.openxmlformats.org/presentationml/2006/main">
   <p:cSld>
@@ -5107,7 +4991,7 @@
           <a:p>
             <a:r>
               <a:rPr lang="en-US" dirty="0" smtClean="0"/>
-              <a:t>And what else can it do!?</a:t>
+              <a:t>WTH!!!</a:t>
             </a:r>
             <a:endParaRPr lang="en-US" dirty="0"/>
           </a:p>
@@ -5115,7 +4999,7 @@
       </p:sp>
       <p:pic>
         <p:nvPicPr>
-          <p:cNvPr id="4" name="Content Placeholder 3" descr="botanicals.jpg"/>
+          <p:cNvPr id="4" name="Content Placeholder 3" descr="4162130652_194d5fa999_m.jpg"/>
           <p:cNvPicPr>
             <a:picLocks noGrp="1" noChangeAspect="1"/>
           </p:cNvPicPr>
@@ -5131,7 +5015,7 @@
               </a:ext>
             </a:extLst>
           </a:blip>
-          <a:srcRect l="-20611" r="-20611"/>
+          <a:srcRect l="-10610" r="-10610"/>
           <a:stretch>
             <a:fillRect/>
           </a:stretch>
@@ -5141,7 +5025,7 @@
     </p:spTree>
     <p:extLst>
       <p:ext uri="{BB962C8B-B14F-4D97-AF65-F5344CB8AC3E}">
-        <p14:creationId xmlns:p14="http://schemas.microsoft.com/office/powerpoint/2010/main" val="2886304607"/>
+        <p14:creationId xmlns:p14="http://schemas.microsoft.com/office/powerpoint/2010/main" val="2806090275"/>
       </p:ext>
     </p:extLst>
   </p:cSld>

--- a/Presentation.pptx
+++ b/Presentation.pptx
@@ -10,21 +10,25 @@
     <p:sldId id="269" r:id="rId4"/>
     <p:sldId id="257" r:id="rId5"/>
     <p:sldId id="276" r:id="rId6"/>
-    <p:sldId id="258" r:id="rId7"/>
-    <p:sldId id="262" r:id="rId8"/>
-    <p:sldId id="271" r:id="rId9"/>
-    <p:sldId id="272" r:id="rId10"/>
-    <p:sldId id="259" r:id="rId11"/>
-    <p:sldId id="261" r:id="rId12"/>
-    <p:sldId id="263" r:id="rId13"/>
-    <p:sldId id="265" r:id="rId14"/>
-    <p:sldId id="264" r:id="rId15"/>
-    <p:sldId id="266" r:id="rId16"/>
-    <p:sldId id="277" r:id="rId17"/>
-    <p:sldId id="268" r:id="rId18"/>
-    <p:sldId id="273" r:id="rId19"/>
-    <p:sldId id="274" r:id="rId20"/>
-    <p:sldId id="275" r:id="rId21"/>
+    <p:sldId id="278" r:id="rId7"/>
+    <p:sldId id="258" r:id="rId8"/>
+    <p:sldId id="262" r:id="rId9"/>
+    <p:sldId id="271" r:id="rId10"/>
+    <p:sldId id="272" r:id="rId11"/>
+    <p:sldId id="259" r:id="rId12"/>
+    <p:sldId id="261" r:id="rId13"/>
+    <p:sldId id="280" r:id="rId14"/>
+    <p:sldId id="281" r:id="rId15"/>
+    <p:sldId id="282" r:id="rId16"/>
+    <p:sldId id="263" r:id="rId17"/>
+    <p:sldId id="265" r:id="rId18"/>
+    <p:sldId id="264" r:id="rId19"/>
+    <p:sldId id="266" r:id="rId20"/>
+    <p:sldId id="277" r:id="rId21"/>
+    <p:sldId id="268" r:id="rId22"/>
+    <p:sldId id="273" r:id="rId23"/>
+    <p:sldId id="274" r:id="rId24"/>
+    <p:sldId id="275" r:id="rId25"/>
   </p:sldIdLst>
   <p:sldSz cx="9144000" cy="6858000" type="screen4x3"/>
   <p:notesSz cx="6858000" cy="9144000"/>
@@ -3225,10 +3229,95 @@
   <p:clrMapOvr>
     <a:masterClrMapping/>
   </p:clrMapOvr>
+  <p:timing>
+    <p:tnLst>
+      <p:par>
+        <p:cTn xmlns:p14="http://schemas.microsoft.com/office/powerpoint/2010/main" id="1" dur="indefinite" restart="never" nodeType="tmRoot"/>
+      </p:par>
+    </p:tnLst>
+  </p:timing>
 </p:sld>
 </file>
 
 <file path=ppt/slides/slide10.xml><?xml version="1.0" encoding="utf-8"?>
+<p:sld xmlns:a="http://schemas.openxmlformats.org/drawingml/2006/main" xmlns:r="http://schemas.openxmlformats.org/officeDocument/2006/relationships" xmlns:p="http://schemas.openxmlformats.org/presentationml/2006/main">
+  <p:cSld>
+    <p:spTree>
+      <p:nvGrpSpPr>
+        <p:cNvPr id="1" name=""/>
+        <p:cNvGrpSpPr/>
+        <p:nvPr/>
+      </p:nvGrpSpPr>
+      <p:grpSpPr>
+        <a:xfrm>
+          <a:off x="0" y="0"/>
+          <a:ext cx="0" cy="0"/>
+          <a:chOff x="0" y="0"/>
+          <a:chExt cx="0" cy="0"/>
+        </a:xfrm>
+      </p:grpSpPr>
+      <p:sp>
+        <p:nvSpPr>
+          <p:cNvPr id="2" name="Title 1"/>
+          <p:cNvSpPr>
+            <a:spLocks noGrp="1"/>
+          </p:cNvSpPr>
+          <p:nvPr>
+            <p:ph type="title"/>
+          </p:nvPr>
+        </p:nvSpPr>
+        <p:spPr/>
+        <p:txBody>
+          <a:bodyPr/>
+          <a:lstStyle/>
+          <a:p>
+            <a:r>
+              <a:rPr lang="en-US" dirty="0" smtClean="0"/>
+              <a:t>WTH!!!</a:t>
+            </a:r>
+            <a:endParaRPr lang="en-US" dirty="0"/>
+          </a:p>
+        </p:txBody>
+      </p:sp>
+      <p:pic>
+        <p:nvPicPr>
+          <p:cNvPr id="4" name="Content Placeholder 3" descr="4162130652_194d5fa999_m.jpg"/>
+          <p:cNvPicPr>
+            <a:picLocks noGrp="1" noChangeAspect="1"/>
+          </p:cNvPicPr>
+          <p:nvPr>
+            <p:ph idx="1"/>
+          </p:nvPr>
+        </p:nvPicPr>
+        <p:blipFill>
+          <a:blip r:embed="rId2">
+            <a:extLst>
+              <a:ext uri="{28A0092B-C50C-407E-A947-70E740481C1C}">
+                <a14:useLocalDpi xmlns:a14="http://schemas.microsoft.com/office/drawing/2010/main" val="0"/>
+              </a:ext>
+            </a:extLst>
+          </a:blip>
+          <a:srcRect l="-10610" r="-10610"/>
+          <a:stretch>
+            <a:fillRect/>
+          </a:stretch>
+        </p:blipFill>
+        <p:spPr/>
+      </p:pic>
+    </p:spTree>
+    <p:extLst>
+      <p:ext uri="{BB962C8B-B14F-4D97-AF65-F5344CB8AC3E}">
+        <p14:creationId xmlns:p14="http://schemas.microsoft.com/office/powerpoint/2010/main" val="2806090275"/>
+      </p:ext>
+    </p:extLst>
+  </p:cSld>
+  <p:clrMapOvr>
+    <a:masterClrMapping/>
+  </p:clrMapOvr>
+</p:sld>
+</file>
+
+<file path=ppt/slides/slide11.xml><?xml version="1.0" encoding="utf-8"?>
 <p:sld xmlns:a="http://schemas.openxmlformats.org/drawingml/2006/main" xmlns:r="http://schemas.openxmlformats.org/officeDocument/2006/relationships" xmlns:p="http://schemas.openxmlformats.org/presentationml/2006/main">
   <p:cSld>
     <p:spTree>
@@ -3295,7 +3384,7 @@
 </p:sld>
 </file>
 
-<file path=ppt/slides/slide11.xml><?xml version="1.0" encoding="utf-8"?>
+<file path=ppt/slides/slide12.xml><?xml version="1.0" encoding="utf-8"?>
 <p:sld xmlns:a="http://schemas.openxmlformats.org/drawingml/2006/main" xmlns:r="http://schemas.openxmlformats.org/officeDocument/2006/relationships" xmlns:p="http://schemas.openxmlformats.org/presentationml/2006/main">
   <p:cSld>
     <p:spTree>
@@ -3437,7 +3526,435 @@
 </p:sld>
 </file>
 
-<file path=ppt/slides/slide12.xml><?xml version="1.0" encoding="utf-8"?>
+<file path=ppt/slides/slide13.xml><?xml version="1.0" encoding="utf-8"?>
+<p:sld xmlns:a="http://schemas.openxmlformats.org/drawingml/2006/main" xmlns:r="http://schemas.openxmlformats.org/officeDocument/2006/relationships" xmlns:p="http://schemas.openxmlformats.org/presentationml/2006/main">
+  <p:cSld>
+    <p:spTree>
+      <p:nvGrpSpPr>
+        <p:cNvPr id="1" name=""/>
+        <p:cNvGrpSpPr/>
+        <p:nvPr/>
+      </p:nvGrpSpPr>
+      <p:grpSpPr>
+        <a:xfrm>
+          <a:off x="0" y="0"/>
+          <a:ext cx="0" cy="0"/>
+          <a:chOff x="0" y="0"/>
+          <a:chExt cx="0" cy="0"/>
+        </a:xfrm>
+      </p:grpSpPr>
+      <p:sp>
+        <p:nvSpPr>
+          <p:cNvPr id="2" name="Title 1"/>
+          <p:cNvSpPr>
+            <a:spLocks noGrp="1"/>
+          </p:cNvSpPr>
+          <p:nvPr>
+            <p:ph type="title"/>
+          </p:nvPr>
+        </p:nvSpPr>
+        <p:spPr/>
+        <p:txBody>
+          <a:bodyPr/>
+          <a:lstStyle/>
+          <a:p>
+            <a:r>
+              <a:rPr lang="en-US" dirty="0" smtClean="0"/>
+              <a:t>PIN Mappings</a:t>
+            </a:r>
+            <a:endParaRPr lang="en-US" dirty="0"/>
+          </a:p>
+        </p:txBody>
+      </p:sp>
+      <p:sp>
+        <p:nvSpPr>
+          <p:cNvPr id="3" name="Content Placeholder 2"/>
+          <p:cNvSpPr>
+            <a:spLocks noGrp="1"/>
+          </p:cNvSpPr>
+          <p:nvPr>
+            <p:ph idx="1"/>
+          </p:nvPr>
+        </p:nvSpPr>
+        <p:spPr/>
+        <p:txBody>
+          <a:bodyPr>
+            <a:normAutofit lnSpcReduction="10000"/>
+          </a:bodyPr>
+          <a:lstStyle/>
+          <a:p>
+            <a:r>
+              <a:rPr lang="fr-FR" dirty="0"/>
+              <a:t>1. RGB Tri-</a:t>
+            </a:r>
+            <a:r>
+              <a:rPr lang="fr-FR" dirty="0" err="1"/>
+              <a:t>colour</a:t>
+            </a:r>
+            <a:r>
+              <a:rPr lang="fr-FR" dirty="0"/>
+              <a:t> LED </a:t>
+            </a:r>
+          </a:p>
+          <a:p>
+            <a:r>
+              <a:rPr lang="da-DK" dirty="0"/>
+              <a:t>Red    : Pin 5 (PWM)</a:t>
+            </a:r>
+          </a:p>
+          <a:p>
+            <a:r>
+              <a:rPr lang="en-US" dirty="0"/>
+              <a:t>Green : Pin 6 (PWM)</a:t>
+            </a:r>
+          </a:p>
+          <a:p>
+            <a:r>
+              <a:rPr lang="fi-FI" dirty="0" err="1"/>
+              <a:t>Blue</a:t>
+            </a:r>
+            <a:r>
+              <a:rPr lang="fi-FI" dirty="0"/>
+              <a:t>   : </a:t>
+            </a:r>
+            <a:r>
+              <a:rPr lang="fi-FI" dirty="0" err="1"/>
+              <a:t>Pin</a:t>
+            </a:r>
+            <a:r>
+              <a:rPr lang="fi-FI" dirty="0"/>
+              <a:t> 3 (PWM)</a:t>
+            </a:r>
+          </a:p>
+          <a:p>
+            <a:r>
+              <a:rPr lang="en-US" dirty="0"/>
+              <a:t>2. Tactile switches</a:t>
+            </a:r>
+          </a:p>
+          <a:p>
+            <a:r>
+              <a:rPr lang="en-US" dirty="0"/>
+              <a:t>Switch 1 : Pin 7</a:t>
+            </a:r>
+          </a:p>
+          <a:p>
+            <a:r>
+              <a:rPr lang="en-US" dirty="0"/>
+              <a:t>Switch 2 : Pin 8</a:t>
+            </a:r>
+          </a:p>
+          <a:p>
+            <a:r>
+              <a:rPr lang="en-US" dirty="0"/>
+              <a:t>Switch 3 : Pin 9</a:t>
+            </a:r>
+          </a:p>
+          <a:p>
+            <a:endParaRPr lang="en-US" dirty="0"/>
+          </a:p>
+        </p:txBody>
+      </p:sp>
+    </p:spTree>
+    <p:extLst>
+      <p:ext uri="{BB962C8B-B14F-4D97-AF65-F5344CB8AC3E}">
+        <p14:creationId xmlns:p14="http://schemas.microsoft.com/office/powerpoint/2010/main" val="1383385169"/>
+      </p:ext>
+    </p:extLst>
+  </p:cSld>
+  <p:clrMapOvr>
+    <a:masterClrMapping/>
+  </p:clrMapOvr>
+</p:sld>
+</file>
+
+<file path=ppt/slides/slide14.xml><?xml version="1.0" encoding="utf-8"?>
+<p:sld xmlns:a="http://schemas.openxmlformats.org/drawingml/2006/main" xmlns:r="http://schemas.openxmlformats.org/officeDocument/2006/relationships" xmlns:p="http://schemas.openxmlformats.org/presentationml/2006/main">
+  <p:cSld>
+    <p:spTree>
+      <p:nvGrpSpPr>
+        <p:cNvPr id="1" name=""/>
+        <p:cNvGrpSpPr/>
+        <p:nvPr/>
+      </p:nvGrpSpPr>
+      <p:grpSpPr>
+        <a:xfrm>
+          <a:off x="0" y="0"/>
+          <a:ext cx="0" cy="0"/>
+          <a:chOff x="0" y="0"/>
+          <a:chExt cx="0" cy="0"/>
+        </a:xfrm>
+      </p:grpSpPr>
+      <p:sp>
+        <p:nvSpPr>
+          <p:cNvPr id="2" name="Title 1"/>
+          <p:cNvSpPr>
+            <a:spLocks noGrp="1"/>
+          </p:cNvSpPr>
+          <p:nvPr>
+            <p:ph type="title"/>
+          </p:nvPr>
+        </p:nvSpPr>
+        <p:spPr/>
+        <p:txBody>
+          <a:bodyPr/>
+          <a:lstStyle/>
+          <a:p>
+            <a:r>
+              <a:rPr lang="en-US" dirty="0" smtClean="0"/>
+              <a:t>PIN Mappings</a:t>
+            </a:r>
+            <a:endParaRPr lang="en-US" dirty="0"/>
+          </a:p>
+        </p:txBody>
+      </p:sp>
+      <p:sp>
+        <p:nvSpPr>
+          <p:cNvPr id="3" name="Content Placeholder 2"/>
+          <p:cNvSpPr>
+            <a:spLocks noGrp="1"/>
+          </p:cNvSpPr>
+          <p:nvPr>
+            <p:ph idx="1"/>
+          </p:nvPr>
+        </p:nvSpPr>
+        <p:spPr/>
+        <p:txBody>
+          <a:bodyPr>
+            <a:normAutofit fontScale="85000" lnSpcReduction="20000"/>
+          </a:bodyPr>
+          <a:lstStyle/>
+          <a:p>
+            <a:r>
+              <a:rPr lang="en-US" dirty="0"/>
+              <a:t>3. LEDs (</a:t>
+            </a:r>
+            <a:r>
+              <a:rPr lang="en-US" dirty="0" err="1"/>
+              <a:t>Colours</a:t>
+            </a:r>
+            <a:r>
+              <a:rPr lang="en-US" dirty="0"/>
+              <a:t> of the LEDs may vary depending upon the version you have)</a:t>
+            </a:r>
+          </a:p>
+          <a:p>
+            <a:r>
+              <a:rPr lang="en-US" dirty="0"/>
+              <a:t>LED 1 (red)    : Pin 11 (PWM)</a:t>
+            </a:r>
+          </a:p>
+          <a:p>
+            <a:r>
+              <a:rPr lang="fi-FI" dirty="0"/>
+              <a:t>LED 2 (</a:t>
+            </a:r>
+            <a:r>
+              <a:rPr lang="fi-FI" dirty="0" err="1"/>
+              <a:t>blue</a:t>
+            </a:r>
+            <a:r>
+              <a:rPr lang="fi-FI" dirty="0"/>
+              <a:t>)   : </a:t>
+            </a:r>
+            <a:r>
+              <a:rPr lang="fi-FI" dirty="0" err="1"/>
+              <a:t>Pin</a:t>
+            </a:r>
+            <a:r>
+              <a:rPr lang="fi-FI" dirty="0"/>
+              <a:t> 12</a:t>
+            </a:r>
+          </a:p>
+          <a:p>
+            <a:r>
+              <a:rPr lang="en-US" dirty="0"/>
+              <a:t>LED 3 (white) : Pin 13</a:t>
+            </a:r>
+          </a:p>
+          <a:p>
+            <a:r>
+              <a:rPr lang="da-DK" dirty="0"/>
+              <a:t>4. IR LED : Pin 14 (Analog 0)</a:t>
+            </a:r>
+          </a:p>
+          <a:p>
+            <a:r>
+              <a:rPr lang="da-DK" dirty="0"/>
+              <a:t>5. TSOP   : Pin 15 (Analog 1)</a:t>
+            </a:r>
+          </a:p>
+          <a:p>
+            <a:r>
+              <a:rPr lang="da-DK" dirty="0"/>
+              <a:t>6. LDR     : Pin 17 (Analog 3)</a:t>
+            </a:r>
+          </a:p>
+          <a:p>
+            <a:r>
+              <a:rPr lang="en-US" dirty="0"/>
+              <a:t>7. DS1307 (RTC)</a:t>
+            </a:r>
+          </a:p>
+          <a:p>
+            <a:r>
+              <a:rPr lang="da-DK" dirty="0"/>
+              <a:t>SDA : Pin 18 (Analog 4)</a:t>
+            </a:r>
+          </a:p>
+          <a:p>
+            <a:r>
+              <a:rPr lang="da-DK" dirty="0"/>
+              <a:t>SCL : Pin 19 (Analog 5)</a:t>
+            </a:r>
+          </a:p>
+          <a:p>
+            <a:endParaRPr lang="en-US" dirty="0"/>
+          </a:p>
+        </p:txBody>
+      </p:sp>
+    </p:spTree>
+    <p:extLst>
+      <p:ext uri="{BB962C8B-B14F-4D97-AF65-F5344CB8AC3E}">
+        <p14:creationId xmlns:p14="http://schemas.microsoft.com/office/powerpoint/2010/main" val="4109372986"/>
+      </p:ext>
+    </p:extLst>
+  </p:cSld>
+  <p:clrMapOvr>
+    <a:masterClrMapping/>
+  </p:clrMapOvr>
+</p:sld>
+</file>
+
+<file path=ppt/slides/slide15.xml><?xml version="1.0" encoding="utf-8"?>
+<p:sld xmlns:a="http://schemas.openxmlformats.org/drawingml/2006/main" xmlns:r="http://schemas.openxmlformats.org/officeDocument/2006/relationships" xmlns:p="http://schemas.openxmlformats.org/presentationml/2006/main">
+  <p:cSld>
+    <p:spTree>
+      <p:nvGrpSpPr>
+        <p:cNvPr id="1" name=""/>
+        <p:cNvGrpSpPr/>
+        <p:nvPr/>
+      </p:nvGrpSpPr>
+      <p:grpSpPr>
+        <a:xfrm>
+          <a:off x="0" y="0"/>
+          <a:ext cx="0" cy="0"/>
+          <a:chOff x="0" y="0"/>
+          <a:chExt cx="0" cy="0"/>
+        </a:xfrm>
+      </p:grpSpPr>
+      <p:sp>
+        <p:nvSpPr>
+          <p:cNvPr id="2" name="Title 1"/>
+          <p:cNvSpPr>
+            <a:spLocks noGrp="1"/>
+          </p:cNvSpPr>
+          <p:nvPr>
+            <p:ph type="title"/>
+          </p:nvPr>
+        </p:nvSpPr>
+        <p:spPr/>
+        <p:txBody>
+          <a:bodyPr/>
+          <a:lstStyle/>
+          <a:p>
+            <a:r>
+              <a:rPr lang="en-US" dirty="0" smtClean="0"/>
+              <a:t>Tech Specs</a:t>
+            </a:r>
+            <a:endParaRPr lang="en-US" dirty="0"/>
+          </a:p>
+        </p:txBody>
+      </p:sp>
+      <p:sp>
+        <p:nvSpPr>
+          <p:cNvPr id="3" name="Content Placeholder 2"/>
+          <p:cNvSpPr>
+            <a:spLocks noGrp="1"/>
+          </p:cNvSpPr>
+          <p:nvPr>
+            <p:ph idx="1"/>
+          </p:nvPr>
+        </p:nvSpPr>
+        <p:spPr/>
+        <p:txBody>
+          <a:bodyPr/>
+          <a:lstStyle/>
+          <a:p>
+            <a:r>
+              <a:rPr lang="en-US" dirty="0" smtClean="0"/>
+              <a:t>FTDI </a:t>
+            </a:r>
+            <a:r>
+              <a:rPr lang="en-US" dirty="0" err="1" smtClean="0"/>
+              <a:t>vs</a:t>
+            </a:r>
+            <a:r>
+              <a:rPr lang="en-US" dirty="0" smtClean="0"/>
+              <a:t> Atmel Chip</a:t>
+            </a:r>
+          </a:p>
+          <a:p>
+            <a:r>
+              <a:rPr lang="en-US" dirty="0" smtClean="0"/>
+              <a:t>Sensors</a:t>
+            </a:r>
+          </a:p>
+          <a:p>
+            <a:r>
+              <a:rPr lang="en-US" dirty="0" smtClean="0"/>
+              <a:t>8bit </a:t>
+            </a:r>
+            <a:r>
+              <a:rPr lang="en-US" dirty="0" err="1" smtClean="0"/>
+              <a:t>MicroController</a:t>
+            </a:r>
+            <a:r>
+              <a:rPr lang="en-US" dirty="0" smtClean="0"/>
+              <a:t> 32KB</a:t>
+            </a:r>
+          </a:p>
+          <a:p>
+            <a:r>
+              <a:rPr lang="en-US" dirty="0" smtClean="0"/>
+              <a:t>Power</a:t>
+            </a:r>
+          </a:p>
+          <a:p>
+            <a:r>
+              <a:rPr lang="en-US" dirty="0" smtClean="0"/>
+              <a:t>ATmega328</a:t>
+            </a:r>
+          </a:p>
+          <a:p>
+            <a:r>
+              <a:rPr lang="en-US" dirty="0" smtClean="0"/>
+              <a:t>Digital / Analog Pins</a:t>
+            </a:r>
+          </a:p>
+          <a:p>
+            <a:r>
+              <a:rPr lang="en-US" dirty="0" smtClean="0"/>
+              <a:t>16MHz Clock Speed</a:t>
+            </a:r>
+            <a:endParaRPr lang="en-US" dirty="0"/>
+          </a:p>
+        </p:txBody>
+      </p:sp>
+    </p:spTree>
+    <p:extLst>
+      <p:ext uri="{BB962C8B-B14F-4D97-AF65-F5344CB8AC3E}">
+        <p14:creationId xmlns:p14="http://schemas.microsoft.com/office/powerpoint/2010/main" val="1184037607"/>
+      </p:ext>
+    </p:extLst>
+  </p:cSld>
+  <p:clrMapOvr>
+    <a:masterClrMapping/>
+  </p:clrMapOvr>
+</p:sld>
+</file>
+
+<file path=ppt/slides/slide16.xml><?xml version="1.0" encoding="utf-8"?>
 <p:sld xmlns:a="http://schemas.openxmlformats.org/drawingml/2006/main" xmlns:r="http://schemas.openxmlformats.org/officeDocument/2006/relationships" xmlns:p="http://schemas.openxmlformats.org/presentationml/2006/main">
   <p:cSld>
     <p:spTree>
@@ -3527,7 +4044,7 @@
 </p:sld>
 </file>
 
-<file path=ppt/slides/slide13.xml><?xml version="1.0" encoding="utf-8"?>
+<file path=ppt/slides/slide17.xml><?xml version="1.0" encoding="utf-8"?>
 <p:sld xmlns:a="http://schemas.openxmlformats.org/drawingml/2006/main" xmlns:r="http://schemas.openxmlformats.org/officeDocument/2006/relationships" xmlns:p="http://schemas.openxmlformats.org/presentationml/2006/main">
   <p:cSld>
     <p:spTree>
@@ -3638,7 +4155,7 @@
 </p:sld>
 </file>
 
-<file path=ppt/slides/slide14.xml><?xml version="1.0" encoding="utf-8"?>
+<file path=ppt/slides/slide18.xml><?xml version="1.0" encoding="utf-8"?>
 <p:sld xmlns:a="http://schemas.openxmlformats.org/drawingml/2006/main" xmlns:r="http://schemas.openxmlformats.org/officeDocument/2006/relationships" xmlns:p="http://schemas.openxmlformats.org/presentationml/2006/main">
   <p:cSld>
     <p:spTree>
@@ -3765,7 +4282,7 @@
 </p:sld>
 </file>
 
-<file path=ppt/slides/slide15.xml><?xml version="1.0" encoding="utf-8"?>
+<file path=ppt/slides/slide19.xml><?xml version="1.0" encoding="utf-8"?>
 <p:sld xmlns:a="http://schemas.openxmlformats.org/drawingml/2006/main" xmlns:r="http://schemas.openxmlformats.org/officeDocument/2006/relationships" xmlns:p="http://schemas.openxmlformats.org/presentationml/2006/main">
   <p:cSld>
     <p:spTree>
@@ -3890,7 +4407,98 @@
 </p:sld>
 </file>
 
-<file path=ppt/slides/slide16.xml><?xml version="1.0" encoding="utf-8"?>
+<file path=ppt/slides/slide2.xml><?xml version="1.0" encoding="utf-8"?>
+<p:sld xmlns:a="http://schemas.openxmlformats.org/drawingml/2006/main" xmlns:r="http://schemas.openxmlformats.org/officeDocument/2006/relationships" xmlns:p="http://schemas.openxmlformats.org/presentationml/2006/main">
+  <p:cSld>
+    <p:spTree>
+      <p:nvGrpSpPr>
+        <p:cNvPr id="1" name=""/>
+        <p:cNvGrpSpPr/>
+        <p:nvPr/>
+      </p:nvGrpSpPr>
+      <p:grpSpPr>
+        <a:xfrm>
+          <a:off x="0" y="0"/>
+          <a:ext cx="0" cy="0"/>
+          <a:chOff x="0" y="0"/>
+          <a:chExt cx="0" cy="0"/>
+        </a:xfrm>
+      </p:grpSpPr>
+      <p:sp>
+        <p:nvSpPr>
+          <p:cNvPr id="2" name="Title 1"/>
+          <p:cNvSpPr>
+            <a:spLocks noGrp="1"/>
+          </p:cNvSpPr>
+          <p:nvPr>
+            <p:ph type="title"/>
+          </p:nvPr>
+        </p:nvSpPr>
+        <p:spPr/>
+        <p:txBody>
+          <a:bodyPr/>
+          <a:lstStyle/>
+          <a:p>
+            <a:r>
+              <a:rPr lang="en-US" dirty="0" smtClean="0"/>
+              <a:t>Setup</a:t>
+            </a:r>
+            <a:endParaRPr lang="en-US" dirty="0"/>
+          </a:p>
+        </p:txBody>
+      </p:sp>
+      <p:sp>
+        <p:nvSpPr>
+          <p:cNvPr id="3" name="Content Placeholder 2"/>
+          <p:cNvSpPr>
+            <a:spLocks noGrp="1"/>
+          </p:cNvSpPr>
+          <p:nvPr>
+            <p:ph idx="1"/>
+          </p:nvPr>
+        </p:nvSpPr>
+        <p:spPr/>
+        <p:txBody>
+          <a:bodyPr/>
+          <a:lstStyle/>
+          <a:p>
+            <a:r>
+              <a:rPr lang="en-US" dirty="0" smtClean="0"/>
+              <a:t>Arduino IDE for Mac OSX, Linux &amp; Windows!</a:t>
+            </a:r>
+          </a:p>
+          <a:p>
+            <a:endParaRPr lang="en-US" dirty="0"/>
+          </a:p>
+          <a:p>
+            <a:r>
+              <a:rPr lang="en-US" dirty="0" smtClean="0"/>
+              <a:t>FTDI Drivers for MAC OSX, Linux, Windows!</a:t>
+            </a:r>
+          </a:p>
+        </p:txBody>
+      </p:sp>
+    </p:spTree>
+    <p:extLst>
+      <p:ext uri="{BB962C8B-B14F-4D97-AF65-F5344CB8AC3E}">
+        <p14:creationId xmlns:p14="http://schemas.microsoft.com/office/powerpoint/2010/main" val="1286209870"/>
+      </p:ext>
+    </p:extLst>
+  </p:cSld>
+  <p:clrMapOvr>
+    <a:masterClrMapping/>
+  </p:clrMapOvr>
+  <p:timing>
+    <p:tnLst>
+      <p:par>
+        <p:cTn xmlns:p14="http://schemas.microsoft.com/office/powerpoint/2010/main" id="1" dur="indefinite" restart="never" nodeType="tmRoot"/>
+      </p:par>
+    </p:tnLst>
+  </p:timing>
+</p:sld>
+</file>
+
+<file path=ppt/slides/slide20.xml><?xml version="1.0" encoding="utf-8"?>
 <p:sld xmlns:a="http://schemas.openxmlformats.org/drawingml/2006/main" xmlns:r="http://schemas.openxmlformats.org/officeDocument/2006/relationships" xmlns:p="http://schemas.openxmlformats.org/presentationml/2006/main">
   <p:cSld>
     <p:spTree>
@@ -4004,7 +4612,7 @@
 </p:sld>
 </file>
 
-<file path=ppt/slides/slide17.xml><?xml version="1.0" encoding="utf-8"?>
+<file path=ppt/slides/slide21.xml><?xml version="1.0" encoding="utf-8"?>
 <p:sld xmlns:a="http://schemas.openxmlformats.org/drawingml/2006/main" xmlns:r="http://schemas.openxmlformats.org/officeDocument/2006/relationships" xmlns:p="http://schemas.openxmlformats.org/presentationml/2006/main">
   <p:cSld>
     <p:spTree>
@@ -4064,7 +4672,7 @@
 </p:sld>
 </file>
 
-<file path=ppt/slides/slide18.xml><?xml version="1.0" encoding="utf-8"?>
+<file path=ppt/slides/slide22.xml><?xml version="1.0" encoding="utf-8"?>
 <p:sld xmlns:a="http://schemas.openxmlformats.org/drawingml/2006/main" xmlns:r="http://schemas.openxmlformats.org/officeDocument/2006/relationships" xmlns:p="http://schemas.openxmlformats.org/presentationml/2006/main">
   <p:cSld>
     <p:spTree>
@@ -4124,7 +4732,7 @@
 </p:sld>
 </file>
 
-<file path=ppt/slides/slide19.xml><?xml version="1.0" encoding="utf-8"?>
+<file path=ppt/slides/slide23.xml><?xml version="1.0" encoding="utf-8"?>
 <p:sld xmlns:a="http://schemas.openxmlformats.org/drawingml/2006/main" xmlns:r="http://schemas.openxmlformats.org/officeDocument/2006/relationships" xmlns:p="http://schemas.openxmlformats.org/presentationml/2006/main">
   <p:cSld>
     <p:spTree>
@@ -4242,91 +4850,7 @@
 </p:sld>
 </file>
 
-<file path=ppt/slides/slide2.xml><?xml version="1.0" encoding="utf-8"?>
-<p:sld xmlns:a="http://schemas.openxmlformats.org/drawingml/2006/main" xmlns:r="http://schemas.openxmlformats.org/officeDocument/2006/relationships" xmlns:p="http://schemas.openxmlformats.org/presentationml/2006/main">
-  <p:cSld>
-    <p:spTree>
-      <p:nvGrpSpPr>
-        <p:cNvPr id="1" name=""/>
-        <p:cNvGrpSpPr/>
-        <p:nvPr/>
-      </p:nvGrpSpPr>
-      <p:grpSpPr>
-        <a:xfrm>
-          <a:off x="0" y="0"/>
-          <a:ext cx="0" cy="0"/>
-          <a:chOff x="0" y="0"/>
-          <a:chExt cx="0" cy="0"/>
-        </a:xfrm>
-      </p:grpSpPr>
-      <p:sp>
-        <p:nvSpPr>
-          <p:cNvPr id="2" name="Title 1"/>
-          <p:cNvSpPr>
-            <a:spLocks noGrp="1"/>
-          </p:cNvSpPr>
-          <p:nvPr>
-            <p:ph type="title"/>
-          </p:nvPr>
-        </p:nvSpPr>
-        <p:spPr/>
-        <p:txBody>
-          <a:bodyPr/>
-          <a:lstStyle/>
-          <a:p>
-            <a:r>
-              <a:rPr lang="en-US" dirty="0" smtClean="0"/>
-              <a:t>Setup</a:t>
-            </a:r>
-            <a:endParaRPr lang="en-US" dirty="0"/>
-          </a:p>
-        </p:txBody>
-      </p:sp>
-      <p:sp>
-        <p:nvSpPr>
-          <p:cNvPr id="3" name="Content Placeholder 2"/>
-          <p:cNvSpPr>
-            <a:spLocks noGrp="1"/>
-          </p:cNvSpPr>
-          <p:nvPr>
-            <p:ph idx="1"/>
-          </p:nvPr>
-        </p:nvSpPr>
-        <p:spPr/>
-        <p:txBody>
-          <a:bodyPr/>
-          <a:lstStyle/>
-          <a:p>
-            <a:r>
-              <a:rPr lang="en-US" dirty="0" smtClean="0"/>
-              <a:t>Arduino IDE for Mac OSX, Linux &amp; Windows!</a:t>
-            </a:r>
-          </a:p>
-          <a:p>
-            <a:endParaRPr lang="en-US" dirty="0"/>
-          </a:p>
-          <a:p>
-            <a:r>
-              <a:rPr lang="en-US" dirty="0" smtClean="0"/>
-              <a:t>FTDI Drivers for MAC OSX, Linux, Windows!</a:t>
-            </a:r>
-          </a:p>
-        </p:txBody>
-      </p:sp>
-    </p:spTree>
-    <p:extLst>
-      <p:ext uri="{BB962C8B-B14F-4D97-AF65-F5344CB8AC3E}">
-        <p14:creationId xmlns:p14="http://schemas.microsoft.com/office/powerpoint/2010/main" val="1286209870"/>
-      </p:ext>
-    </p:extLst>
-  </p:cSld>
-  <p:clrMapOvr>
-    <a:masterClrMapping/>
-  </p:clrMapOvr>
-</p:sld>
-</file>
-
-<file path=ppt/slides/slide20.xml><?xml version="1.0" encoding="utf-8"?>
+<file path=ppt/slides/slide24.xml><?xml version="1.0" encoding="utf-8"?>
 <p:sld xmlns:a="http://schemas.openxmlformats.org/drawingml/2006/main" xmlns:r="http://schemas.openxmlformats.org/officeDocument/2006/relationships" xmlns:p="http://schemas.openxmlformats.org/presentationml/2006/main">
   <p:cSld>
     <p:spTree>
@@ -4549,6 +5073,13 @@
   <p:clrMapOvr>
     <a:masterClrMapping/>
   </p:clrMapOvr>
+  <p:timing>
+    <p:tnLst>
+      <p:par>
+        <p:cTn xmlns:p14="http://schemas.microsoft.com/office/powerpoint/2010/main" id="1" dur="indefinite" restart="never" nodeType="tmRoot"/>
+      </p:par>
+    </p:tnLst>
+  </p:timing>
 </p:sld>
 </file>
 
@@ -4632,6 +5163,13 @@
   <p:clrMapOvr>
     <a:masterClrMapping/>
   </p:clrMapOvr>
+  <p:timing>
+    <p:tnLst>
+      <p:par>
+        <p:cTn xmlns:p14="http://schemas.microsoft.com/office/powerpoint/2010/main" id="1" dur="indefinite" restart="never" nodeType="tmRoot"/>
+      </p:par>
+    </p:tnLst>
+  </p:timing>
 </p:sld>
 </file>
 
@@ -4710,10 +5248,100 @@
   <p:clrMapOvr>
     <a:masterClrMapping/>
   </p:clrMapOvr>
+  <p:timing>
+    <p:tnLst>
+      <p:par>
+        <p:cTn xmlns:p14="http://schemas.microsoft.com/office/powerpoint/2010/main" id="1" dur="indefinite" restart="never" nodeType="tmRoot"/>
+      </p:par>
+    </p:tnLst>
+  </p:timing>
 </p:sld>
 </file>
 
 <file path=ppt/slides/slide6.xml><?xml version="1.0" encoding="utf-8"?>
+<p:sld xmlns:a="http://schemas.openxmlformats.org/drawingml/2006/main" xmlns:r="http://schemas.openxmlformats.org/officeDocument/2006/relationships" xmlns:p="http://schemas.openxmlformats.org/presentationml/2006/main">
+  <p:cSld>
+    <p:spTree>
+      <p:nvGrpSpPr>
+        <p:cNvPr id="1" name=""/>
+        <p:cNvGrpSpPr/>
+        <p:nvPr/>
+      </p:nvGrpSpPr>
+      <p:grpSpPr>
+        <a:xfrm>
+          <a:off x="0" y="0"/>
+          <a:ext cx="0" cy="0"/>
+          <a:chOff x="0" y="0"/>
+          <a:chExt cx="0" cy="0"/>
+        </a:xfrm>
+      </p:grpSpPr>
+      <p:sp>
+        <p:nvSpPr>
+          <p:cNvPr id="2" name="Title 1"/>
+          <p:cNvSpPr>
+            <a:spLocks noGrp="1"/>
+          </p:cNvSpPr>
+          <p:nvPr>
+            <p:ph type="title"/>
+          </p:nvPr>
+        </p:nvSpPr>
+        <p:spPr/>
+        <p:txBody>
+          <a:bodyPr/>
+          <a:lstStyle/>
+          <a:p>
+            <a:r>
+              <a:rPr lang="en-US" dirty="0" smtClean="0"/>
+              <a:t>Why is my board so ugly?</a:t>
+            </a:r>
+            <a:endParaRPr lang="en-US" dirty="0"/>
+          </a:p>
+        </p:txBody>
+      </p:sp>
+      <p:pic>
+        <p:nvPicPr>
+          <p:cNvPr id="4" name="Content Placeholder 3" descr="induinoX.png"/>
+          <p:cNvPicPr>
+            <a:picLocks noGrp="1" noChangeAspect="1"/>
+          </p:cNvPicPr>
+          <p:nvPr>
+            <p:ph idx="1"/>
+          </p:nvPr>
+        </p:nvPicPr>
+        <p:blipFill>
+          <a:blip r:embed="rId2">
+            <a:extLst>
+              <a:ext uri="{28A0092B-C50C-407E-A947-70E740481C1C}">
+                <a14:useLocalDpi xmlns:a14="http://schemas.microsoft.com/office/drawing/2010/main" val="0"/>
+              </a:ext>
+            </a:extLst>
+          </a:blip>
+          <a:srcRect t="-1458" b="-1458"/>
+          <a:stretch>
+            <a:fillRect/>
+          </a:stretch>
+        </p:blipFill>
+        <p:spPr>
+          <a:xfrm>
+            <a:off x="794991" y="1786009"/>
+            <a:ext cx="7474131" cy="4110484"/>
+          </a:xfrm>
+        </p:spPr>
+      </p:pic>
+    </p:spTree>
+    <p:extLst>
+      <p:ext uri="{BB962C8B-B14F-4D97-AF65-F5344CB8AC3E}">
+        <p14:creationId xmlns:p14="http://schemas.microsoft.com/office/powerpoint/2010/main" val="750495317"/>
+      </p:ext>
+    </p:extLst>
+  </p:cSld>
+  <p:clrMapOvr>
+    <a:masterClrMapping/>
+  </p:clrMapOvr>
+</p:sld>
+</file>
+
+<file path=ppt/slides/slide7.xml><?xml version="1.0" encoding="utf-8"?>
 <p:sld xmlns:a="http://schemas.openxmlformats.org/drawingml/2006/main" xmlns:r="http://schemas.openxmlformats.org/officeDocument/2006/relationships" xmlns:p="http://schemas.openxmlformats.org/presentationml/2006/main">
   <p:cSld>
     <p:spTree>
@@ -4793,10 +5421,17 @@
   <p:clrMapOvr>
     <a:masterClrMapping/>
   </p:clrMapOvr>
+  <p:timing>
+    <p:tnLst>
+      <p:par>
+        <p:cTn xmlns:p14="http://schemas.microsoft.com/office/powerpoint/2010/main" id="1" dur="indefinite" restart="never" nodeType="tmRoot"/>
+      </p:par>
+    </p:tnLst>
+  </p:timing>
 </p:sld>
 </file>
 
-<file path=ppt/slides/slide7.xml><?xml version="1.0" encoding="utf-8"?>
+<file path=ppt/slides/slide8.xml><?xml version="1.0" encoding="utf-8"?>
 <p:sld xmlns:a="http://schemas.openxmlformats.org/drawingml/2006/main" xmlns:r="http://schemas.openxmlformats.org/officeDocument/2006/relationships" xmlns:p="http://schemas.openxmlformats.org/presentationml/2006/main">
   <p:cSld>
     <p:spTree>
@@ -4876,84 +5511,13 @@
   <p:clrMapOvr>
     <a:masterClrMapping/>
   </p:clrMapOvr>
-</p:sld>
-</file>
-
-<file path=ppt/slides/slide8.xml><?xml version="1.0" encoding="utf-8"?>
-<p:sld xmlns:a="http://schemas.openxmlformats.org/drawingml/2006/main" xmlns:r="http://schemas.openxmlformats.org/officeDocument/2006/relationships" xmlns:p="http://schemas.openxmlformats.org/presentationml/2006/main">
-  <p:cSld>
-    <p:spTree>
-      <p:nvGrpSpPr>
-        <p:cNvPr id="1" name=""/>
-        <p:cNvGrpSpPr/>
-        <p:nvPr/>
-      </p:nvGrpSpPr>
-      <p:grpSpPr>
-        <a:xfrm>
-          <a:off x="0" y="0"/>
-          <a:ext cx="0" cy="0"/>
-          <a:chOff x="0" y="0"/>
-          <a:chExt cx="0" cy="0"/>
-        </a:xfrm>
-      </p:grpSpPr>
-      <p:sp>
-        <p:nvSpPr>
-          <p:cNvPr id="2" name="Title 1"/>
-          <p:cNvSpPr>
-            <a:spLocks noGrp="1"/>
-          </p:cNvSpPr>
-          <p:nvPr>
-            <p:ph type="title"/>
-          </p:nvPr>
-        </p:nvSpPr>
-        <p:spPr/>
-        <p:txBody>
-          <a:bodyPr/>
-          <a:lstStyle/>
-          <a:p>
-            <a:r>
-              <a:rPr lang="en-US" dirty="0" smtClean="0"/>
-              <a:t>And what else can it do!?</a:t>
-            </a:r>
-            <a:endParaRPr lang="en-US" dirty="0"/>
-          </a:p>
-        </p:txBody>
-      </p:sp>
-      <p:pic>
-        <p:nvPicPr>
-          <p:cNvPr id="4" name="Content Placeholder 3" descr="botanicals.jpg"/>
-          <p:cNvPicPr>
-            <a:picLocks noGrp="1" noChangeAspect="1"/>
-          </p:cNvPicPr>
-          <p:nvPr>
-            <p:ph idx="1"/>
-          </p:nvPr>
-        </p:nvPicPr>
-        <p:blipFill>
-          <a:blip r:embed="rId2">
-            <a:extLst>
-              <a:ext uri="{28A0092B-C50C-407E-A947-70E740481C1C}">
-                <a14:useLocalDpi xmlns:a14="http://schemas.microsoft.com/office/drawing/2010/main" val="0"/>
-              </a:ext>
-            </a:extLst>
-          </a:blip>
-          <a:srcRect l="-20611" r="-20611"/>
-          <a:stretch>
-            <a:fillRect/>
-          </a:stretch>
-        </p:blipFill>
-        <p:spPr/>
-      </p:pic>
-    </p:spTree>
-    <p:extLst>
-      <p:ext uri="{BB962C8B-B14F-4D97-AF65-F5344CB8AC3E}">
-        <p14:creationId xmlns:p14="http://schemas.microsoft.com/office/powerpoint/2010/main" val="2886304607"/>
-      </p:ext>
-    </p:extLst>
-  </p:cSld>
-  <p:clrMapOvr>
-    <a:masterClrMapping/>
-  </p:clrMapOvr>
+  <p:timing>
+    <p:tnLst>
+      <p:par>
+        <p:cTn xmlns:p14="http://schemas.microsoft.com/office/powerpoint/2010/main" id="1" dur="indefinite" restart="never" nodeType="tmRoot"/>
+      </p:par>
+    </p:tnLst>
+  </p:timing>
 </p:sld>
 </file>
 
@@ -4991,7 +5555,7 @@
           <a:p>
             <a:r>
               <a:rPr lang="en-US" dirty="0" smtClean="0"/>
-              <a:t>WTH!!!</a:t>
+              <a:t>And what else can it do!?</a:t>
             </a:r>
             <a:endParaRPr lang="en-US" dirty="0"/>
           </a:p>
@@ -4999,7 +5563,7 @@
       </p:sp>
       <p:pic>
         <p:nvPicPr>
-          <p:cNvPr id="4" name="Content Placeholder 3" descr="4162130652_194d5fa999_m.jpg"/>
+          <p:cNvPr id="4" name="Content Placeholder 3" descr="botanicals.jpg"/>
           <p:cNvPicPr>
             <a:picLocks noGrp="1" noChangeAspect="1"/>
           </p:cNvPicPr>
@@ -5015,7 +5579,7 @@
               </a:ext>
             </a:extLst>
           </a:blip>
-          <a:srcRect l="-10610" r="-10610"/>
+          <a:srcRect l="-20611" r="-20611"/>
           <a:stretch>
             <a:fillRect/>
           </a:stretch>
@@ -5025,13 +5589,20 @@
     </p:spTree>
     <p:extLst>
       <p:ext uri="{BB962C8B-B14F-4D97-AF65-F5344CB8AC3E}">
-        <p14:creationId xmlns:p14="http://schemas.microsoft.com/office/powerpoint/2010/main" val="2806090275"/>
+        <p14:creationId xmlns:p14="http://schemas.microsoft.com/office/powerpoint/2010/main" val="2886304607"/>
       </p:ext>
     </p:extLst>
   </p:cSld>
   <p:clrMapOvr>
     <a:masterClrMapping/>
   </p:clrMapOvr>
+  <p:timing>
+    <p:tnLst>
+      <p:par>
+        <p:cTn xmlns:p14="http://schemas.microsoft.com/office/powerpoint/2010/main" id="1" dur="indefinite" restart="never" nodeType="tmRoot"/>
+      </p:par>
+    </p:tnLst>
+  </p:timing>
 </p:sld>
 </file>
 
